--- a/PPT/제안서191202ver.0.pptx
+++ b/PPT/제안서191202ver.0.pptx
@@ -10,14 +10,12 @@
     <p:sldId id="268" r:id="rId4"/>
     <p:sldId id="269" r:id="rId5"/>
     <p:sldId id="270" r:id="rId6"/>
-    <p:sldId id="278" r:id="rId7"/>
-    <p:sldId id="271" r:id="rId8"/>
+    <p:sldId id="271" r:id="rId7"/>
+    <p:sldId id="281" r:id="rId8"/>
     <p:sldId id="277" r:id="rId9"/>
     <p:sldId id="279" r:id="rId10"/>
-    <p:sldId id="273" r:id="rId11"/>
-    <p:sldId id="274" r:id="rId12"/>
-    <p:sldId id="275" r:id="rId13"/>
-    <p:sldId id="276" r:id="rId14"/>
+    <p:sldId id="280" r:id="rId11"/>
+    <p:sldId id="276" r:id="rId12"/>
   </p:sldIdLst>
   <p:sldSz cx="12192000" cy="6858000"/>
   <p:notesSz cx="6858000" cy="9144000"/>
@@ -3367,25 +3365,22 @@
           <a:lstStyle/>
           <a:p>
             <a:r>
-              <a:rPr lang="ko-KR" altLang="en-US" sz="4800" dirty="0" err="1"/>
-              <a:t>멀티쓰레딩과</a:t>
-            </a:r>
-            <a:r>
-              <a:rPr lang="ko-KR" altLang="en-US" sz="4800" dirty="0"/>
-              <a:t> </a:t>
-            </a:r>
-            <a:r>
-              <a:rPr lang="en-US" altLang="ko-KR" sz="4800" dirty="0" err="1"/>
+              <a:rPr lang="en-US" altLang="ko-KR" sz="4800" dirty="0" smtClean="0"/>
+              <a:t>Lock-Free </a:t>
+            </a:r>
+            <a:r>
+              <a:rPr lang="en-US" altLang="ko-KR" sz="4800" dirty="0" err="1" smtClean="0"/>
               <a:t>shared_ptr</a:t>
             </a:r>
             <a:r>
-              <a:rPr lang="en-US" altLang="ko-KR" sz="4800" dirty="0"/>
-              <a:t> </a:t>
-            </a:r>
-            <a:r>
-              <a:rPr lang="ko-KR" altLang="en-US" sz="4800" dirty="0"/>
-              <a:t>충돌 해결</a:t>
-            </a:r>
+              <a:rPr lang="ko-KR" altLang="en-US" sz="4800" dirty="0" smtClean="0"/>
+              <a:t>의 구</a:t>
+            </a:r>
+            <a:r>
+              <a:rPr lang="ko-KR" altLang="en-US" sz="4800" dirty="0" smtClean="0"/>
+              <a:t>현</a:t>
+            </a:r>
+            <a:endParaRPr lang="ko-KR" altLang="en-US" sz="4800" dirty="0"/>
           </a:p>
         </p:txBody>
       </p:sp>
@@ -3474,9 +3469,10 @@
           <a:lstStyle/>
           <a:p>
             <a:r>
-              <a:rPr lang="ko-KR" altLang="en-US" dirty="0"/>
+              <a:rPr lang="ko-KR" altLang="en-US" smtClean="0"/>
               <a:t>연구 방법</a:t>
             </a:r>
+            <a:endParaRPr lang="ko-KR" altLang="en-US" dirty="0"/>
           </a:p>
         </p:txBody>
       </p:sp>
@@ -3496,185 +3492,193 @@
             <p:ph idx="1"/>
           </p:nvPr>
         </p:nvSpPr>
-        <p:spPr>
-          <a:xfrm>
-            <a:off x="838200" y="1690688"/>
-            <a:ext cx="10515600" cy="996170"/>
-          </a:xfrm>
-        </p:spPr>
-        <p:txBody>
-          <a:bodyPr anchor="ctr" anchorCtr="0">
-            <a:spAutoFit/>
-          </a:bodyPr>
-          <a:lstStyle/>
-          <a:p>
-            <a:pPr marL="0" indent="0">
-              <a:buNone/>
-            </a:pPr>
-            <a:r>
-              <a:rPr lang="ko-KR" altLang="en-US" dirty="0"/>
+        <p:spPr/>
+        <p:txBody>
+          <a:bodyPr/>
+          <a:lstStyle/>
+          <a:p>
+            <a:r>
+              <a:rPr lang="en-US" altLang="ko-KR" dirty="0" err="1" smtClean="0"/>
+              <a:t>shared_ptr</a:t>
+            </a:r>
+            <a:r>
+              <a:rPr lang="en-US" altLang="ko-KR" dirty="0" smtClean="0"/>
+              <a:t>/</a:t>
+            </a:r>
+            <a:r>
+              <a:rPr lang="en-US" altLang="ko-KR" dirty="0" err="1" smtClean="0"/>
+              <a:t>weak_ptr</a:t>
+            </a:r>
+            <a:r>
+              <a:rPr lang="ko-KR" altLang="en-US" dirty="0" smtClean="0"/>
+              <a:t>의 구현 분석</a:t>
+            </a:r>
+            <a:endParaRPr lang="en-US" altLang="ko-KR" dirty="0" smtClean="0"/>
+          </a:p>
+          <a:p>
+            <a:pPr lvl="1"/>
+            <a:r>
+              <a:rPr lang="en-US" altLang="ko-KR" dirty="0" smtClean="0"/>
+              <a:t>GCC</a:t>
+            </a:r>
+            <a:r>
+              <a:rPr lang="ko-KR" altLang="en-US" dirty="0" smtClean="0"/>
+              <a:t>의 소스코드 분석</a:t>
+            </a:r>
+            <a:endParaRPr lang="en-US" altLang="ko-KR" dirty="0" smtClean="0"/>
+          </a:p>
+          <a:p>
+            <a:pPr lvl="1"/>
+            <a:r>
+              <a:rPr lang="en-US" altLang="ko-KR" dirty="0" err="1" smtClean="0"/>
+              <a:t>lock_free</a:t>
+            </a:r>
+            <a:r>
+              <a:rPr lang="en-US" altLang="ko-KR" dirty="0" smtClean="0"/>
+              <a:t> </a:t>
+            </a:r>
+            <a:r>
+              <a:rPr lang="ko-KR" altLang="en-US" dirty="0" smtClean="0"/>
+              <a:t>구현이 필요한 </a:t>
+            </a:r>
+            <a:r>
+              <a:rPr lang="ko-KR" altLang="en-US" dirty="0" err="1" smtClean="0"/>
+              <a:t>메소드들</a:t>
+            </a:r>
+            <a:r>
+              <a:rPr lang="ko-KR" altLang="en-US" dirty="0" smtClean="0"/>
+              <a:t> 추출</a:t>
+            </a:r>
+            <a:endParaRPr lang="en-US" altLang="ko-KR" dirty="0" smtClean="0"/>
+          </a:p>
+          <a:p>
+            <a:pPr lvl="1"/>
+            <a:r>
+              <a:rPr lang="en-US" altLang="ko-KR" dirty="0" smtClean="0"/>
+              <a:t>reference counter</a:t>
+            </a:r>
+            <a:r>
+              <a:rPr lang="ko-KR" altLang="en-US" dirty="0" smtClean="0"/>
+              <a:t>위치 및 </a:t>
+            </a:r>
+            <a:r>
+              <a:rPr lang="en-US" altLang="ko-KR" dirty="0" err="1" smtClean="0"/>
+              <a:t>weak_ptr</a:t>
+            </a:r>
+            <a:r>
+              <a:rPr lang="ko-KR" altLang="en-US" dirty="0" smtClean="0"/>
+              <a:t>용 </a:t>
+            </a:r>
+            <a:r>
+              <a:rPr lang="en-US" altLang="ko-KR" dirty="0" smtClean="0"/>
+              <a:t>control block</a:t>
+            </a:r>
+            <a:r>
+              <a:rPr lang="ko-KR" altLang="en-US" dirty="0" smtClean="0"/>
+              <a:t>의 구조 분석</a:t>
+            </a:r>
+            <a:endParaRPr lang="en-US" altLang="ko-KR" dirty="0" smtClean="0"/>
+          </a:p>
+          <a:p>
+            <a:r>
+              <a:rPr lang="ko-KR" altLang="en-US" dirty="0" smtClean="0"/>
+              <a:t> </a:t>
+            </a:r>
+            <a:r>
+              <a:rPr lang="en-US" altLang="ko-KR" dirty="0" smtClean="0"/>
+              <a:t>Lock-Free</a:t>
+            </a:r>
+            <a:r>
+              <a:rPr lang="ko-KR" altLang="en-US" dirty="0" smtClean="0"/>
+              <a:t>구현을 위한 </a:t>
+            </a:r>
+            <a:r>
+              <a:rPr lang="en-US" altLang="ko-KR" dirty="0" smtClean="0"/>
+              <a:t>update point</a:t>
+            </a:r>
+            <a:r>
+              <a:rPr lang="ko-KR" altLang="en-US" dirty="0" smtClean="0"/>
+              <a:t>분석</a:t>
+            </a:r>
+            <a:endParaRPr lang="en-US" altLang="ko-KR" dirty="0" smtClean="0"/>
+          </a:p>
+          <a:p>
+            <a:pPr lvl="1"/>
+            <a:r>
+              <a:rPr lang="en-US" altLang="ko-KR" dirty="0" smtClean="0"/>
+              <a:t>CAS(Compare-And-Swap)</a:t>
+            </a:r>
+            <a:r>
+              <a:rPr lang="ko-KR" altLang="en-US" dirty="0" smtClean="0"/>
+              <a:t>연산을 통해 </a:t>
+            </a:r>
+            <a:r>
+              <a:rPr lang="en-US" altLang="ko-KR" dirty="0" smtClean="0"/>
+              <a:t>atomic</a:t>
+            </a:r>
+            <a:r>
+              <a:rPr lang="ko-KR" altLang="en-US" dirty="0" smtClean="0"/>
+              <a:t>으로 업데이트 해야 하는 데이터 추출 및 </a:t>
+            </a:r>
+            <a:r>
+              <a:rPr lang="en-US" altLang="ko-KR" dirty="0" smtClean="0"/>
+              <a:t>word </a:t>
+            </a:r>
+            <a:r>
+              <a:rPr lang="ko-KR" altLang="en-US" dirty="0" smtClean="0"/>
+              <a:t>단위 압축 시도</a:t>
+            </a:r>
+            <a:endParaRPr lang="en-US" altLang="ko-KR" dirty="0" smtClean="0"/>
+          </a:p>
+          <a:p>
+            <a:r>
+              <a:rPr lang="en-US" altLang="ko-KR" dirty="0" smtClean="0"/>
+              <a:t>Lock-Free</a:t>
+            </a:r>
+            <a:r>
+              <a:rPr lang="ko-KR" altLang="en-US" dirty="0" smtClean="0"/>
               <a:t>구현</a:t>
             </a:r>
-            <a:endParaRPr lang="en-US" altLang="ko-KR" dirty="0"/>
-          </a:p>
-          <a:p>
-            <a:pPr marL="0" indent="0" algn="ctr">
-              <a:buNone/>
-            </a:pPr>
-            <a:r>
-              <a:rPr lang="en-US" altLang="ko-KR" dirty="0" err="1"/>
-              <a:t>LF_atomic_shared_ptr</a:t>
-            </a:r>
-            <a:r>
-              <a:rPr lang="en-US" altLang="ko-KR" dirty="0"/>
-              <a:t>			</a:t>
-            </a:r>
-            <a:r>
-              <a:rPr lang="en-US" altLang="ko-KR" dirty="0" err="1"/>
-              <a:t>LF_atomic_weak_ptr</a:t>
+            <a:endParaRPr lang="en-US" altLang="ko-KR" dirty="0" smtClean="0"/>
+          </a:p>
+          <a:p>
+            <a:pPr lvl="1"/>
+            <a:r>
+              <a:rPr lang="ko-KR" altLang="en-US" dirty="0" smtClean="0"/>
+              <a:t>여러 단계의 </a:t>
+            </a:r>
+            <a:r>
+              <a:rPr lang="en-US" altLang="ko-KR" dirty="0" smtClean="0"/>
+              <a:t>CAS</a:t>
+            </a:r>
+            <a:r>
+              <a:rPr lang="ko-KR" altLang="en-US" dirty="0" smtClean="0"/>
+              <a:t>가 필요한 </a:t>
+            </a:r>
+            <a:r>
+              <a:rPr lang="ko-KR" altLang="en-US" dirty="0" err="1" smtClean="0"/>
+              <a:t>메소드가</a:t>
+            </a:r>
+            <a:r>
+              <a:rPr lang="ko-KR" altLang="en-US" dirty="0" smtClean="0"/>
+              <a:t> 있을 경우 중간 단계의 정의 및 다른 </a:t>
+            </a:r>
+            <a:r>
+              <a:rPr lang="ko-KR" altLang="en-US" dirty="0" err="1" smtClean="0"/>
+              <a:t>메소드에서의</a:t>
+            </a:r>
+            <a:r>
+              <a:rPr lang="ko-KR" altLang="en-US" dirty="0" smtClean="0"/>
+              <a:t> 중간 단계 적용</a:t>
             </a:r>
             <a:endParaRPr lang="ko-KR" altLang="en-US" dirty="0"/>
-          </a:p>
-        </p:txBody>
-      </p:sp>
-      <p:pic>
-        <p:nvPicPr>
-          <p:cNvPr id="4" name="그림 3">
-            <a:extLst>
-              <a:ext uri="{FF2B5EF4-FFF2-40B4-BE49-F238E27FC236}">
-                <a16:creationId xmlns:a16="http://schemas.microsoft.com/office/drawing/2014/main" id="{58428E53-6E19-44E2-BB4C-5C60390F04CF}"/>
-              </a:ext>
-            </a:extLst>
-          </p:cNvPr>
-          <p:cNvPicPr>
-            <a:picLocks noChangeAspect="1"/>
-          </p:cNvPicPr>
-          <p:nvPr/>
-        </p:nvPicPr>
-        <p:blipFill>
-          <a:blip r:embed="rId2"/>
-          <a:stretch>
-            <a:fillRect/>
-          </a:stretch>
-        </p:blipFill>
-        <p:spPr>
-          <a:xfrm>
-            <a:off x="514350" y="2665688"/>
-            <a:ext cx="5419725" cy="1044080"/>
-          </a:xfrm>
-          <a:prstGeom prst="rect">
-            <a:avLst/>
-          </a:prstGeom>
-        </p:spPr>
-      </p:pic>
-      <p:pic>
-        <p:nvPicPr>
-          <p:cNvPr id="5" name="그림 4">
-            <a:extLst>
-              <a:ext uri="{FF2B5EF4-FFF2-40B4-BE49-F238E27FC236}">
-                <a16:creationId xmlns:a16="http://schemas.microsoft.com/office/drawing/2014/main" id="{054153BA-6E37-419D-9114-22F43890A053}"/>
-              </a:ext>
-            </a:extLst>
-          </p:cNvPr>
-          <p:cNvPicPr>
-            <a:picLocks noChangeAspect="1"/>
-          </p:cNvPicPr>
-          <p:nvPr/>
-        </p:nvPicPr>
-        <p:blipFill>
-          <a:blip r:embed="rId3"/>
-          <a:stretch>
-            <a:fillRect/>
-          </a:stretch>
-        </p:blipFill>
-        <p:spPr>
-          <a:xfrm>
-            <a:off x="6257925" y="2692428"/>
-            <a:ext cx="5419725" cy="990600"/>
-          </a:xfrm>
-          <a:prstGeom prst="rect">
-            <a:avLst/>
-          </a:prstGeom>
-        </p:spPr>
-      </p:pic>
-      <p:sp>
-        <p:nvSpPr>
-          <p:cNvPr id="6" name="제목 1">
-            <a:extLst>
-              <a:ext uri="{FF2B5EF4-FFF2-40B4-BE49-F238E27FC236}">
-                <a16:creationId xmlns:a16="http://schemas.microsoft.com/office/drawing/2014/main" id="{6BB333A3-7F58-44C2-8D34-A90CD3403DC5}"/>
-              </a:ext>
-            </a:extLst>
-          </p:cNvPr>
-          <p:cNvSpPr txBox="1">
-            <a:spLocks/>
-          </p:cNvSpPr>
-          <p:nvPr/>
-        </p:nvSpPr>
-        <p:spPr>
-          <a:xfrm>
-            <a:off x="838200" y="4196375"/>
-            <a:ext cx="10515600" cy="2296500"/>
-          </a:xfrm>
-          <a:prstGeom prst="rect">
-            <a:avLst/>
-          </a:prstGeom>
-        </p:spPr>
-        <p:txBody>
-          <a:bodyPr vert="horz" lIns="91440" tIns="45720" rIns="91440" bIns="45720" rtlCol="0" anchor="ctr">
-            <a:normAutofit/>
-          </a:bodyPr>
-          <a:lstStyle>
-            <a:lvl1pPr algn="l" defTabSz="914400" rtl="0" eaLnBrk="1" latinLnBrk="1" hangingPunct="1">
-              <a:lnSpc>
-                <a:spcPct val="90000"/>
-              </a:lnSpc>
-              <a:spcBef>
-                <a:spcPct val="0"/>
-              </a:spcBef>
-              <a:buNone/>
-              <a:defRPr sz="4400" kern="1200">
-                <a:solidFill>
-                  <a:schemeClr val="tx1"/>
-                </a:solidFill>
-                <a:latin typeface="+mj-lt"/>
-                <a:ea typeface="+mj-ea"/>
-                <a:cs typeface="+mj-cs"/>
-              </a:defRPr>
-            </a:lvl1pPr>
-          </a:lstStyle>
-          <a:p>
-            <a:r>
-              <a:rPr lang="en-US" altLang="ko-KR" sz="2800" dirty="0" err="1"/>
-              <a:t>LF_atomic_weak_ptr</a:t>
-            </a:r>
-            <a:r>
-              <a:rPr lang="ko-KR" altLang="en-US" sz="2800" dirty="0"/>
-              <a:t>의 필요성</a:t>
-            </a:r>
-            <a:endParaRPr lang="en-US" altLang="ko-KR" sz="2800" dirty="0"/>
-          </a:p>
-          <a:p>
-            <a:r>
-              <a:rPr lang="en-US" altLang="ko-KR" sz="2800" dirty="0"/>
-              <a:t>  : </a:t>
-            </a:r>
-            <a:r>
-              <a:rPr lang="en-US" altLang="ko-KR" sz="2800" dirty="0" err="1"/>
-              <a:t>LF_atomic_shared_ptr</a:t>
-            </a:r>
-            <a:r>
-              <a:rPr lang="ko-KR" altLang="en-US" sz="2800" dirty="0"/>
-              <a:t>과 순환 참조 문제 해결</a:t>
-            </a:r>
-            <a:endParaRPr lang="en-US" altLang="ko-KR" sz="2800" dirty="0"/>
           </a:p>
         </p:txBody>
       </p:sp>
     </p:spTree>
     <p:extLst>
       <p:ext uri="{BB962C8B-B14F-4D97-AF65-F5344CB8AC3E}">
-        <p14:creationId xmlns:p14="http://schemas.microsoft.com/office/powerpoint/2010/main" val="3710618998"/>
+        <p14:creationId xmlns:p14="http://schemas.microsoft.com/office/powerpoint/2010/main" val="154039823"/>
       </p:ext>
     </p:extLst>
   </p:cSld>
@@ -3723,9 +3727,10 @@
           <a:lstStyle/>
           <a:p>
             <a:r>
-              <a:rPr lang="ko-KR" altLang="en-US" dirty="0"/>
-              <a:t>연구 방법</a:t>
-            </a:r>
+              <a:rPr lang="ko-KR" altLang="en-US" dirty="0" smtClean="0"/>
+              <a:t>연구 일정</a:t>
+            </a:r>
+            <a:endParaRPr lang="ko-KR" altLang="en-US" dirty="0"/>
           </a:p>
         </p:txBody>
       </p:sp>
@@ -3745,400 +3750,79 @@
             <p:ph idx="1"/>
           </p:nvPr>
         </p:nvSpPr>
-        <p:spPr>
-          <a:xfrm>
-            <a:off x="838200" y="1450622"/>
-            <a:ext cx="4459514" cy="480131"/>
-          </a:xfrm>
-        </p:spPr>
-        <p:txBody>
-          <a:bodyPr wrap="square" anchor="ctr" anchorCtr="0">
-            <a:spAutoFit/>
-          </a:bodyPr>
-          <a:lstStyle/>
-          <a:p>
-            <a:pPr marL="0" indent="0">
-              <a:buNone/>
-            </a:pPr>
-            <a:r>
-              <a:rPr lang="en-US" altLang="ko-KR" dirty="0" err="1"/>
-              <a:t>LF_atomic_shared_ptr</a:t>
-            </a:r>
-            <a:r>
-              <a:rPr lang="en-US" altLang="ko-KR" dirty="0"/>
-              <a:t> </a:t>
-            </a:r>
-            <a:r>
-              <a:rPr lang="ko-KR" altLang="en-US" dirty="0"/>
-              <a:t>구현</a:t>
-            </a:r>
-          </a:p>
-        </p:txBody>
-      </p:sp>
-      <p:pic>
-        <p:nvPicPr>
-          <p:cNvPr id="5" name="그림 4">
-            <a:extLst>
-              <a:ext uri="{FF2B5EF4-FFF2-40B4-BE49-F238E27FC236}">
-                <a16:creationId xmlns:a16="http://schemas.microsoft.com/office/drawing/2014/main" id="{D65CB08F-D379-40CF-ACCD-473474882BDD}"/>
-              </a:ext>
-            </a:extLst>
-          </p:cNvPr>
-          <p:cNvPicPr>
-            <a:picLocks noChangeAspect="1"/>
-          </p:cNvPicPr>
-          <p:nvPr/>
-        </p:nvPicPr>
-        <p:blipFill>
-          <a:blip r:embed="rId2"/>
-          <a:stretch>
-            <a:fillRect/>
-          </a:stretch>
-        </p:blipFill>
-        <p:spPr>
-          <a:xfrm>
-            <a:off x="5190243" y="0"/>
-            <a:ext cx="4735487" cy="6858000"/>
-          </a:xfrm>
-          <a:prstGeom prst="rect">
-            <a:avLst/>
-          </a:prstGeom>
-        </p:spPr>
-      </p:pic>
-      <p:pic>
-        <p:nvPicPr>
-          <p:cNvPr id="6" name="그림 5">
-            <a:extLst>
-              <a:ext uri="{FF2B5EF4-FFF2-40B4-BE49-F238E27FC236}">
-                <a16:creationId xmlns:a16="http://schemas.microsoft.com/office/drawing/2014/main" id="{B8EF2283-08CB-4A9B-8F6F-CF257948CA8A}"/>
-              </a:ext>
-            </a:extLst>
-          </p:cNvPr>
-          <p:cNvPicPr>
-            <a:picLocks noChangeAspect="1"/>
-          </p:cNvPicPr>
-          <p:nvPr/>
-        </p:nvPicPr>
-        <p:blipFill>
-          <a:blip r:embed="rId3"/>
-          <a:stretch>
-            <a:fillRect/>
-          </a:stretch>
-        </p:blipFill>
-        <p:spPr>
-          <a:xfrm>
-            <a:off x="7557986" y="4251779"/>
-            <a:ext cx="4133850" cy="2371725"/>
-          </a:xfrm>
-          <a:prstGeom prst="rect">
-            <a:avLst/>
-          </a:prstGeom>
-        </p:spPr>
-      </p:pic>
-      <p:pic>
-        <p:nvPicPr>
-          <p:cNvPr id="7" name="그림 6">
-            <a:extLst>
-              <a:ext uri="{FF2B5EF4-FFF2-40B4-BE49-F238E27FC236}">
-                <a16:creationId xmlns:a16="http://schemas.microsoft.com/office/drawing/2014/main" id="{4D2593FE-3603-4902-BFB5-863EE32EB386}"/>
-              </a:ext>
-            </a:extLst>
-          </p:cNvPr>
-          <p:cNvPicPr>
-            <a:picLocks noChangeAspect="1"/>
-          </p:cNvPicPr>
-          <p:nvPr/>
-        </p:nvPicPr>
-        <p:blipFill>
-          <a:blip r:embed="rId4"/>
-          <a:stretch>
-            <a:fillRect/>
-          </a:stretch>
-        </p:blipFill>
-        <p:spPr>
-          <a:xfrm>
-            <a:off x="838200" y="1930753"/>
-            <a:ext cx="3739116" cy="4927247"/>
-          </a:xfrm>
-          <a:prstGeom prst="rect">
-            <a:avLst/>
-          </a:prstGeom>
-        </p:spPr>
-      </p:pic>
-    </p:spTree>
-    <p:extLst>
-      <p:ext uri="{BB962C8B-B14F-4D97-AF65-F5344CB8AC3E}">
-        <p14:creationId xmlns:p14="http://schemas.microsoft.com/office/powerpoint/2010/main" val="855447055"/>
-      </p:ext>
-    </p:extLst>
-  </p:cSld>
-  <p:clrMapOvr>
-    <a:masterClrMapping/>
-  </p:clrMapOvr>
-</p:sld>
-</file>
-
-<file path=ppt/slides/slide12.xml><?xml version="1.0" encoding="utf-8"?>
-<p:sld xmlns:a="http://schemas.openxmlformats.org/drawingml/2006/main" xmlns:r="http://schemas.openxmlformats.org/officeDocument/2006/relationships" xmlns:p="http://schemas.openxmlformats.org/presentationml/2006/main">
-  <p:cSld>
-    <p:spTree>
-      <p:nvGrpSpPr>
-        <p:cNvPr id="1" name=""/>
-        <p:cNvGrpSpPr/>
-        <p:nvPr/>
-      </p:nvGrpSpPr>
-      <p:grpSpPr>
-        <a:xfrm>
-          <a:off x="0" y="0"/>
-          <a:ext cx="0" cy="0"/>
-          <a:chOff x="0" y="0"/>
-          <a:chExt cx="0" cy="0"/>
-        </a:xfrm>
-      </p:grpSpPr>
-      <p:sp>
-        <p:nvSpPr>
-          <p:cNvPr id="2" name="제목 1">
-            <a:extLst>
-              <a:ext uri="{FF2B5EF4-FFF2-40B4-BE49-F238E27FC236}">
-                <a16:creationId xmlns:a16="http://schemas.microsoft.com/office/drawing/2014/main" id="{0EC2D607-202B-4163-8F3C-29734D74287D}"/>
-              </a:ext>
-            </a:extLst>
-          </p:cNvPr>
-          <p:cNvSpPr>
-            <a:spLocks noGrp="1"/>
-          </p:cNvSpPr>
-          <p:nvPr>
-            <p:ph type="title"/>
-          </p:nvPr>
-        </p:nvSpPr>
         <p:spPr/>
         <p:txBody>
-          <a:bodyPr/>
-          <a:lstStyle/>
-          <a:p>
-            <a:r>
-              <a:rPr lang="ko-KR" altLang="en-US" dirty="0"/>
-              <a:t>연구 방법</a:t>
-            </a:r>
-          </a:p>
-        </p:txBody>
-      </p:sp>
-      <p:sp>
-        <p:nvSpPr>
-          <p:cNvPr id="3" name="내용 개체 틀 2">
-            <a:extLst>
-              <a:ext uri="{FF2B5EF4-FFF2-40B4-BE49-F238E27FC236}">
-                <a16:creationId xmlns:a16="http://schemas.microsoft.com/office/drawing/2014/main" id="{B6C58067-8222-423E-ADCB-A9CBC9894EAE}"/>
-              </a:ext>
-            </a:extLst>
-          </p:cNvPr>
-          <p:cNvSpPr>
-            <a:spLocks noGrp="1"/>
-          </p:cNvSpPr>
-          <p:nvPr>
-            <p:ph idx="1"/>
-          </p:nvPr>
-        </p:nvSpPr>
-        <p:spPr>
-          <a:xfrm>
-            <a:off x="838199" y="1450622"/>
-            <a:ext cx="4212771" cy="480131"/>
-          </a:xfrm>
-        </p:spPr>
-        <p:txBody>
-          <a:bodyPr wrap="square" anchor="ctr" anchorCtr="0">
-            <a:spAutoFit/>
-          </a:bodyPr>
-          <a:lstStyle/>
-          <a:p>
-            <a:pPr marL="0" indent="0">
-              <a:buNone/>
-            </a:pPr>
-            <a:r>
-              <a:rPr lang="en-US" altLang="ko-KR" dirty="0" err="1"/>
-              <a:t>LF_atomic_weak_ptr</a:t>
-            </a:r>
-            <a:r>
-              <a:rPr lang="en-US" altLang="ko-KR" dirty="0"/>
-              <a:t> </a:t>
-            </a:r>
-            <a:r>
-              <a:rPr lang="ko-KR" altLang="en-US" dirty="0"/>
-              <a:t>구현</a:t>
-            </a:r>
-          </a:p>
-        </p:txBody>
-      </p:sp>
-      <p:pic>
-        <p:nvPicPr>
-          <p:cNvPr id="5" name="그림 4">
-            <a:extLst>
-              <a:ext uri="{FF2B5EF4-FFF2-40B4-BE49-F238E27FC236}">
-                <a16:creationId xmlns:a16="http://schemas.microsoft.com/office/drawing/2014/main" id="{07BA5072-6187-40EB-B450-1A5B7A8912B3}"/>
-              </a:ext>
-            </a:extLst>
-          </p:cNvPr>
-          <p:cNvPicPr>
-            <a:picLocks noChangeAspect="1"/>
-          </p:cNvPicPr>
-          <p:nvPr/>
-        </p:nvPicPr>
-        <p:blipFill>
-          <a:blip r:embed="rId2"/>
-          <a:stretch>
-            <a:fillRect/>
-          </a:stretch>
-        </p:blipFill>
-        <p:spPr>
-          <a:xfrm>
-            <a:off x="838198" y="1936546"/>
-            <a:ext cx="3748316" cy="4921453"/>
-          </a:xfrm>
-          <a:prstGeom prst="rect">
-            <a:avLst/>
-          </a:prstGeom>
-        </p:spPr>
-      </p:pic>
-      <p:pic>
-        <p:nvPicPr>
-          <p:cNvPr id="6" name="그림 5">
-            <a:extLst>
-              <a:ext uri="{FF2B5EF4-FFF2-40B4-BE49-F238E27FC236}">
-                <a16:creationId xmlns:a16="http://schemas.microsoft.com/office/drawing/2014/main" id="{B6BE165F-BEE5-4950-AD28-E03BF4FE38DE}"/>
-              </a:ext>
-            </a:extLst>
-          </p:cNvPr>
-          <p:cNvPicPr>
-            <a:picLocks noChangeAspect="1"/>
-          </p:cNvPicPr>
-          <p:nvPr/>
-        </p:nvPicPr>
-        <p:blipFill>
-          <a:blip r:embed="rId3"/>
-          <a:stretch>
-            <a:fillRect/>
-          </a:stretch>
-        </p:blipFill>
-        <p:spPr>
-          <a:xfrm>
-            <a:off x="5212815" y="0"/>
-            <a:ext cx="4701886" cy="6858000"/>
-          </a:xfrm>
-          <a:prstGeom prst="rect">
-            <a:avLst/>
-          </a:prstGeom>
-        </p:spPr>
-      </p:pic>
-      <p:pic>
-        <p:nvPicPr>
-          <p:cNvPr id="7" name="그림 6">
-            <a:extLst>
-              <a:ext uri="{FF2B5EF4-FFF2-40B4-BE49-F238E27FC236}">
-                <a16:creationId xmlns:a16="http://schemas.microsoft.com/office/drawing/2014/main" id="{9D4EDEF9-67F2-475E-9109-5A71DB730F52}"/>
-              </a:ext>
-            </a:extLst>
-          </p:cNvPr>
-          <p:cNvPicPr>
-            <a:picLocks noChangeAspect="1"/>
-          </p:cNvPicPr>
-          <p:nvPr/>
-        </p:nvPicPr>
-        <p:blipFill>
-          <a:blip r:embed="rId4"/>
-          <a:stretch>
-            <a:fillRect/>
-          </a:stretch>
-        </p:blipFill>
-        <p:spPr>
-          <a:xfrm>
-            <a:off x="8799284" y="5604555"/>
-            <a:ext cx="1438275" cy="1019175"/>
-          </a:xfrm>
-          <a:prstGeom prst="rect">
-            <a:avLst/>
-          </a:prstGeom>
-        </p:spPr>
-      </p:pic>
-    </p:spTree>
-    <p:extLst>
-      <p:ext uri="{BB962C8B-B14F-4D97-AF65-F5344CB8AC3E}">
-        <p14:creationId xmlns:p14="http://schemas.microsoft.com/office/powerpoint/2010/main" val="2637900569"/>
-      </p:ext>
-    </p:extLst>
-  </p:cSld>
-  <p:clrMapOvr>
-    <a:masterClrMapping/>
-  </p:clrMapOvr>
-</p:sld>
-</file>
-
-<file path=ppt/slides/slide13.xml><?xml version="1.0" encoding="utf-8"?>
-<p:sld xmlns:a="http://schemas.openxmlformats.org/drawingml/2006/main" xmlns:r="http://schemas.openxmlformats.org/officeDocument/2006/relationships" xmlns:p="http://schemas.openxmlformats.org/presentationml/2006/main">
-  <p:cSld>
-    <p:spTree>
-      <p:nvGrpSpPr>
-        <p:cNvPr id="1" name=""/>
-        <p:cNvGrpSpPr/>
-        <p:nvPr/>
-      </p:nvGrpSpPr>
-      <p:grpSpPr>
-        <a:xfrm>
-          <a:off x="0" y="0"/>
-          <a:ext cx="0" cy="0"/>
-          <a:chOff x="0" y="0"/>
-          <a:chExt cx="0" cy="0"/>
-        </a:xfrm>
-      </p:grpSpPr>
-      <p:sp>
-        <p:nvSpPr>
-          <p:cNvPr id="2" name="제목 1">
-            <a:extLst>
-              <a:ext uri="{FF2B5EF4-FFF2-40B4-BE49-F238E27FC236}">
-                <a16:creationId xmlns:a16="http://schemas.microsoft.com/office/drawing/2014/main" id="{0EC2D607-202B-4163-8F3C-29734D74287D}"/>
-              </a:ext>
-            </a:extLst>
-          </p:cNvPr>
-          <p:cNvSpPr>
-            <a:spLocks noGrp="1"/>
-          </p:cNvSpPr>
-          <p:nvPr>
-            <p:ph type="title"/>
-          </p:nvPr>
-        </p:nvSpPr>
-        <p:spPr/>
-        <p:txBody>
-          <a:bodyPr/>
-          <a:lstStyle/>
-          <a:p>
-            <a:r>
-              <a:rPr lang="ko-KR" altLang="en-US" dirty="0"/>
-              <a:t>연구 방법</a:t>
-            </a:r>
-          </a:p>
-        </p:txBody>
-      </p:sp>
-      <p:sp>
-        <p:nvSpPr>
-          <p:cNvPr id="3" name="내용 개체 틀 2">
-            <a:extLst>
-              <a:ext uri="{FF2B5EF4-FFF2-40B4-BE49-F238E27FC236}">
-                <a16:creationId xmlns:a16="http://schemas.microsoft.com/office/drawing/2014/main" id="{B6C58067-8222-423E-ADCB-A9CBC9894EAE}"/>
-              </a:ext>
-            </a:extLst>
-          </p:cNvPr>
-          <p:cNvSpPr>
-            <a:spLocks noGrp="1"/>
-          </p:cNvSpPr>
-          <p:nvPr>
-            <p:ph idx="1"/>
-          </p:nvPr>
-        </p:nvSpPr>
-        <p:spPr/>
-        <p:txBody>
           <a:bodyPr anchor="ctr" anchorCtr="0"/>
           <a:lstStyle/>
           <a:p>
-            <a:endParaRPr lang="ko-KR" altLang="en-US" dirty="0"/>
+            <a:r>
+              <a:rPr lang="en-US" altLang="ko-KR" dirty="0" smtClean="0"/>
+              <a:t>Blocking </a:t>
+            </a:r>
+            <a:r>
+              <a:rPr lang="en-US" altLang="ko-KR" dirty="0" err="1" smtClean="0"/>
+              <a:t>shared_ptr</a:t>
+            </a:r>
+            <a:r>
+              <a:rPr lang="ko-KR" altLang="en-US" dirty="0" smtClean="0"/>
+              <a:t>의 구현</a:t>
+            </a:r>
+            <a:endParaRPr lang="en-US" altLang="ko-KR" dirty="0" smtClean="0"/>
+          </a:p>
+          <a:p>
+            <a:r>
+              <a:rPr lang="en-US" altLang="ko-KR" dirty="0" smtClean="0"/>
+              <a:t>LF </a:t>
+            </a:r>
+            <a:r>
+              <a:rPr lang="en-US" altLang="ko-KR" dirty="0" err="1" smtClean="0"/>
+              <a:t>shared_ptr</a:t>
+            </a:r>
+            <a:r>
+              <a:rPr lang="ko-KR" altLang="en-US" dirty="0" smtClean="0"/>
+              <a:t>의 구현</a:t>
+            </a:r>
+            <a:endParaRPr lang="en-US" altLang="ko-KR" dirty="0" smtClean="0"/>
+          </a:p>
+          <a:p>
+            <a:r>
+              <a:rPr lang="en-US" altLang="ko-KR" dirty="0" smtClean="0"/>
+              <a:t>LF </a:t>
+            </a:r>
+            <a:r>
+              <a:rPr lang="en-US" altLang="ko-KR" dirty="0" err="1" smtClean="0"/>
+              <a:t>weak_ptr</a:t>
+            </a:r>
+            <a:r>
+              <a:rPr lang="ko-KR" altLang="en-US" dirty="0" smtClean="0"/>
+              <a:t>의 구현</a:t>
+            </a:r>
+            <a:endParaRPr lang="en-US" altLang="ko-KR" dirty="0" smtClean="0"/>
+          </a:p>
+          <a:p>
+            <a:r>
+              <a:rPr lang="ko-KR" altLang="en-US" dirty="0" smtClean="0"/>
+              <a:t>성능 개선</a:t>
+            </a:r>
+            <a:endParaRPr lang="en-US" altLang="ko-KR" dirty="0"/>
+          </a:p>
+          <a:p>
+            <a:r>
+              <a:rPr lang="ko-KR" altLang="en-US" dirty="0" smtClean="0"/>
+              <a:t>논문 제출 </a:t>
+            </a:r>
+            <a:r>
+              <a:rPr lang="en-US" altLang="ko-KR" dirty="0" smtClean="0"/>
+              <a:t>(9</a:t>
+            </a:r>
+            <a:r>
+              <a:rPr lang="ko-KR" altLang="en-US" dirty="0" smtClean="0"/>
+              <a:t>월 말</a:t>
+            </a:r>
+            <a:r>
+              <a:rPr lang="en-US" altLang="ko-KR" dirty="0" smtClean="0"/>
+              <a:t>)</a:t>
+            </a:r>
           </a:p>
         </p:txBody>
       </p:sp>
@@ -4308,9 +3992,10 @@
           <a:lstStyle/>
           <a:p>
             <a:r>
-              <a:rPr lang="ko-KR" altLang="en-US" dirty="0"/>
+              <a:rPr lang="ko-KR" altLang="en-US" smtClean="0"/>
               <a:t>서론</a:t>
             </a:r>
+            <a:endParaRPr lang="ko-KR" altLang="en-US" dirty="0"/>
           </a:p>
         </p:txBody>
       </p:sp>
@@ -4332,131 +4017,144 @@
         </p:nvSpPr>
         <p:spPr/>
         <p:txBody>
-          <a:bodyPr anchor="ctr" anchorCtr="0"/>
-          <a:lstStyle/>
-          <a:p>
-            <a:pPr marL="0" indent="0">
-              <a:buNone/>
-            </a:pPr>
-            <a:r>
-              <a:rPr lang="en-US" altLang="ko-KR" dirty="0" err="1"/>
+          <a:bodyPr>
+            <a:normAutofit/>
+          </a:bodyPr>
+          <a:lstStyle/>
+          <a:p>
+            <a:r>
+              <a:rPr lang="en-US" altLang="ko-KR" dirty="0" err="1" smtClean="0"/>
               <a:t>shared_ptr</a:t>
             </a:r>
-            <a:r>
-              <a:rPr lang="en-US" altLang="ko-KR" dirty="0"/>
-              <a:t>?</a:t>
-            </a:r>
-          </a:p>
-          <a:p>
-            <a:pPr marL="0" indent="0">
-              <a:buNone/>
-            </a:pPr>
-            <a:r>
-              <a:rPr lang="en-US" altLang="ko-KR" dirty="0"/>
-              <a:t>  : </a:t>
-            </a:r>
-            <a:r>
-              <a:rPr lang="ko-KR" altLang="en-US" dirty="0"/>
+            <a:endParaRPr lang="en-US" altLang="ko-KR" dirty="0"/>
+          </a:p>
+          <a:p>
+            <a:pPr lvl="1"/>
+            <a:r>
+              <a:rPr lang="en-US" altLang="ko-KR" dirty="0" smtClean="0"/>
+              <a:t>C++11</a:t>
+            </a:r>
+            <a:r>
+              <a:rPr lang="ko-KR" altLang="en-US" dirty="0" smtClean="0"/>
+              <a:t>에서 제안된 스마트 포인터의 일종</a:t>
+            </a:r>
+            <a:endParaRPr lang="en-US" altLang="ko-KR" dirty="0" smtClean="0"/>
+          </a:p>
+          <a:p>
+            <a:pPr lvl="1"/>
+            <a:r>
+              <a:rPr lang="ko-KR" altLang="en-US" dirty="0" smtClean="0"/>
               <a:t>객체에 </a:t>
             </a:r>
             <a:r>
-              <a:rPr lang="en-US" altLang="ko-KR" dirty="0"/>
-              <a:t>reference </a:t>
-            </a:r>
-            <a:r>
-              <a:rPr lang="en-US" altLang="ko-KR" dirty="0" err="1"/>
-              <a:t>counte</a:t>
-            </a:r>
-            <a:r>
-              <a:rPr lang="ko-KR" altLang="en-US" dirty="0"/>
-              <a:t>를 두고</a:t>
-            </a:r>
-            <a:endParaRPr lang="en-US" altLang="ko-KR" dirty="0"/>
-          </a:p>
-          <a:p>
-            <a:pPr marL="0" indent="0">
-              <a:buNone/>
-            </a:pPr>
-            <a:r>
-              <a:rPr lang="en-US" altLang="ko-KR" dirty="0"/>
-              <a:t>   </a:t>
-            </a:r>
-            <a:r>
-              <a:rPr lang="ko-KR" altLang="en-US" dirty="0"/>
-              <a:t> 앞으로 쓰이지 않을 객체를 판별해 자동 삭제</a:t>
-            </a:r>
-            <a:endParaRPr lang="en-US" altLang="ko-KR" dirty="0"/>
-          </a:p>
-          <a:p>
-            <a:pPr marL="0" indent="0">
-              <a:buNone/>
-            </a:pPr>
-            <a:endParaRPr lang="en-US" altLang="ko-KR" dirty="0"/>
-          </a:p>
-          <a:p>
-            <a:pPr marL="0" indent="0">
-              <a:buNone/>
-            </a:pPr>
-            <a:r>
-              <a:rPr lang="ko-KR" altLang="en-US" dirty="0" err="1"/>
+              <a:rPr lang="en-US" altLang="ko-KR" dirty="0" smtClean="0"/>
+              <a:t>reference counter</a:t>
+            </a:r>
+            <a:r>
+              <a:rPr lang="ko-KR" altLang="en-US" dirty="0" smtClean="0"/>
+              <a:t>를 추가하여</a:t>
+            </a:r>
+            <a:r>
+              <a:rPr lang="en-US" altLang="ko-KR" dirty="0" smtClean="0"/>
+              <a:t>, </a:t>
+            </a:r>
+            <a:r>
+              <a:rPr lang="ko-KR" altLang="en-US" dirty="0" smtClean="0"/>
+              <a:t>이를 통해 앞으로 쓰이지 않을 객체를 판별해 자동 삭제</a:t>
+            </a:r>
+            <a:endParaRPr lang="en-US" altLang="ko-KR" dirty="0" smtClean="0"/>
+          </a:p>
+          <a:p>
+            <a:r>
+              <a:rPr lang="ko-KR" altLang="en-US" dirty="0" err="1" smtClean="0"/>
               <a:t>멀티쓰레딩에서의</a:t>
             </a:r>
             <a:r>
-              <a:rPr lang="ko-KR" altLang="en-US" dirty="0"/>
+              <a:rPr lang="ko-KR" altLang="en-US" dirty="0" smtClean="0"/>
               <a:t> 문제점</a:t>
             </a:r>
-            <a:endParaRPr lang="en-US" altLang="ko-KR" dirty="0"/>
-          </a:p>
-          <a:p>
-            <a:pPr marL="0" indent="0">
-              <a:buNone/>
-            </a:pPr>
-            <a:r>
-              <a:rPr lang="en-US" altLang="ko-KR" dirty="0"/>
-              <a:t>  : pointer</a:t>
-            </a:r>
-            <a:r>
-              <a:rPr lang="ko-KR" altLang="en-US" dirty="0"/>
-              <a:t> 대상의 접근이 원자적이지 않다</a:t>
-            </a:r>
-            <a:r>
-              <a:rPr lang="en-US" altLang="ko-KR" dirty="0"/>
+            <a:endParaRPr lang="en-US" altLang="ko-KR" dirty="0" smtClean="0"/>
+          </a:p>
+          <a:p>
+            <a:pPr lvl="1"/>
+            <a:r>
+              <a:rPr lang="en-US" altLang="ko-KR" dirty="0" err="1" smtClean="0"/>
+              <a:t>shared_ptr</a:t>
+            </a:r>
+            <a:r>
+              <a:rPr lang="en-US" altLang="ko-KR" dirty="0" smtClean="0"/>
+              <a:t> </a:t>
+            </a:r>
+            <a:r>
+              <a:rPr lang="ko-KR" altLang="en-US" dirty="0" smtClean="0"/>
+              <a:t>객체 자체의 </a:t>
+            </a:r>
+            <a:r>
+              <a:rPr lang="en-US" altLang="ko-KR" dirty="0" smtClean="0"/>
+              <a:t>update</a:t>
+            </a:r>
+            <a:r>
+              <a:rPr lang="ko-KR" altLang="en-US" dirty="0" smtClean="0"/>
+              <a:t>가 </a:t>
+            </a:r>
+            <a:r>
+              <a:rPr lang="ko-KR" altLang="en-US" dirty="0" err="1" smtClean="0"/>
+              <a:t>원자적이</a:t>
+            </a:r>
+            <a:r>
+              <a:rPr lang="ko-KR" altLang="en-US" dirty="0" smtClean="0"/>
+              <a:t> 아님</a:t>
+            </a:r>
+            <a:endParaRPr lang="en-US" altLang="ko-KR" dirty="0" smtClean="0"/>
+          </a:p>
+          <a:p>
+            <a:pPr lvl="2"/>
+            <a:r>
+              <a:rPr lang="en-US" altLang="ko-KR" dirty="0" smtClean="0"/>
+              <a:t>reference counting</a:t>
+            </a:r>
+            <a:r>
+              <a:rPr lang="ko-KR" altLang="en-US" dirty="0" smtClean="0"/>
+              <a:t>은 원자 적임</a:t>
+            </a:r>
+            <a:endParaRPr lang="en-US" altLang="ko-KR" dirty="0" smtClean="0"/>
+          </a:p>
+          <a:p>
+            <a:r>
+              <a:rPr lang="ko-KR" altLang="en-US" dirty="0" smtClean="0"/>
+              <a:t>성능을 위해 </a:t>
+            </a:r>
+            <a:r>
+              <a:rPr lang="en-US" altLang="ko-KR" dirty="0" smtClean="0"/>
+              <a:t>Lock-free </a:t>
+            </a:r>
+            <a:r>
+              <a:rPr lang="en-US" altLang="ko-KR" dirty="0" err="1" smtClean="0"/>
+              <a:t>atomic_shared_ptr</a:t>
+            </a:r>
+            <a:r>
+              <a:rPr lang="en-US" altLang="ko-KR" dirty="0" smtClean="0"/>
+              <a:t> </a:t>
+            </a:r>
+            <a:r>
+              <a:rPr lang="ko-KR" altLang="en-US" dirty="0" smtClean="0"/>
+              <a:t>구현이 필요함</a:t>
+            </a:r>
+            <a:endParaRPr lang="en-US" altLang="ko-KR" dirty="0" smtClean="0"/>
+          </a:p>
+          <a:p>
+            <a:pPr lvl="1"/>
+            <a:r>
+              <a:rPr lang="en-US" altLang="ko-KR" dirty="0" smtClean="0"/>
+              <a:t>locking</a:t>
+            </a:r>
+            <a:r>
+              <a:rPr lang="ko-KR" altLang="en-US" dirty="0" smtClean="0"/>
+              <a:t>을 사용한 원자적 구현은 성능에 문제가 많음</a:t>
+            </a:r>
+            <a:r>
+              <a:rPr lang="en-US" altLang="ko-KR" dirty="0" smtClean="0"/>
               <a:t>.</a:t>
-            </a:r>
-          </a:p>
-          <a:p>
-            <a:pPr marL="0" indent="0">
-              <a:buNone/>
-            </a:pPr>
-            <a:endParaRPr lang="en-US" altLang="ko-KR" dirty="0"/>
-          </a:p>
-          <a:p>
-            <a:pPr marL="0" indent="0">
-              <a:buNone/>
-            </a:pPr>
-            <a:r>
-              <a:rPr lang="en-US" altLang="ko-KR" dirty="0"/>
-              <a:t>	=&gt; </a:t>
-            </a:r>
-            <a:r>
-              <a:rPr lang="ko-KR" altLang="en-US" dirty="0"/>
-              <a:t>성능을 위한 </a:t>
-            </a:r>
-            <a:r>
-              <a:rPr lang="en-US" altLang="ko-KR" dirty="0"/>
-              <a:t>Lock-free </a:t>
-            </a:r>
-            <a:r>
-              <a:rPr lang="en-US" altLang="ko-KR" dirty="0" err="1"/>
-              <a:t>atomic_shared_ptr</a:t>
-            </a:r>
-            <a:r>
-              <a:rPr lang="en-US" altLang="ko-KR" dirty="0"/>
-              <a:t> </a:t>
-            </a:r>
-            <a:r>
-              <a:rPr lang="ko-KR" altLang="en-US" dirty="0"/>
-              <a:t>구현</a:t>
             </a:r>
             <a:endParaRPr lang="en-US" altLang="ko-KR" dirty="0"/>
           </a:p>
@@ -4514,9 +4212,10 @@
           <a:lstStyle/>
           <a:p>
             <a:r>
-              <a:rPr lang="ko-KR" altLang="en-US" dirty="0"/>
+              <a:rPr lang="ko-KR" altLang="en-US" smtClean="0"/>
               <a:t>동기</a:t>
             </a:r>
+            <a:endParaRPr lang="ko-KR" altLang="en-US" dirty="0"/>
           </a:p>
         </p:txBody>
       </p:sp>
@@ -4538,147 +4237,394 @@
         </p:nvSpPr>
         <p:spPr/>
         <p:txBody>
-          <a:bodyPr anchor="ctr" anchorCtr="0"/>
-          <a:lstStyle/>
-          <a:p>
-            <a:pPr marL="0" indent="0">
-              <a:buNone/>
-            </a:pPr>
-            <a:r>
-              <a:rPr lang="ko-KR" altLang="en-US" dirty="0" err="1"/>
-              <a:t>멀티쓰레딩에서</a:t>
-            </a:r>
-            <a:r>
-              <a:rPr lang="ko-KR" altLang="en-US" dirty="0"/>
-              <a:t> 메모리 릭 문제</a:t>
-            </a:r>
-            <a:endParaRPr lang="en-US" altLang="ko-KR" dirty="0"/>
-          </a:p>
-          <a:p>
-            <a:pPr marL="0" indent="0">
-              <a:buNone/>
-            </a:pPr>
-            <a:r>
-              <a:rPr lang="en-US" altLang="ko-KR" dirty="0"/>
-              <a:t>  - </a:t>
-            </a:r>
-            <a:r>
-              <a:rPr lang="ko-KR" altLang="en-US" dirty="0"/>
-              <a:t>해결책 </a:t>
-            </a:r>
-            <a:r>
-              <a:rPr lang="en-US" altLang="ko-KR" dirty="0"/>
-              <a:t>: delete -&gt; </a:t>
-            </a:r>
-            <a:r>
-              <a:rPr lang="en-US" altLang="ko-KR" dirty="0" err="1"/>
+          <a:bodyPr>
+            <a:normAutofit fontScale="92500" lnSpcReduction="10000"/>
+          </a:bodyPr>
+          <a:lstStyle/>
+          <a:p>
+            <a:r>
+              <a:rPr lang="en-US" altLang="ko-KR" dirty="0" smtClean="0">
+                <a:latin typeface="Arial" panose="020B0604020202020204" pitchFamily="34" charset="0"/>
+                <a:cs typeface="Arial" panose="020B0604020202020204" pitchFamily="34" charset="0"/>
+              </a:rPr>
+              <a:t>C++11</a:t>
+            </a:r>
+            <a:r>
+              <a:rPr lang="ko-KR" altLang="en-US" dirty="0" smtClean="0">
+                <a:latin typeface="Arial" panose="020B0604020202020204" pitchFamily="34" charset="0"/>
+                <a:cs typeface="Arial" panose="020B0604020202020204" pitchFamily="34" charset="0"/>
+              </a:rPr>
+              <a:t>에서 </a:t>
+            </a:r>
+            <a:r>
+              <a:rPr lang="ko-KR" altLang="en-US" dirty="0" err="1" smtClean="0">
+                <a:latin typeface="Arial" panose="020B0604020202020204" pitchFamily="34" charset="0"/>
+                <a:cs typeface="Arial" panose="020B0604020202020204" pitchFamily="34" charset="0"/>
+              </a:rPr>
+              <a:t>멀티쓰레딩</a:t>
+            </a:r>
+            <a:r>
+              <a:rPr lang="ko-KR" altLang="en-US" dirty="0" smtClean="0">
+                <a:latin typeface="Arial" panose="020B0604020202020204" pitchFamily="34" charset="0"/>
+                <a:cs typeface="Arial" panose="020B0604020202020204" pitchFamily="34" charset="0"/>
+              </a:rPr>
+              <a:t> 지원</a:t>
+            </a:r>
+            <a:endParaRPr lang="en-US" altLang="ko-KR" dirty="0" smtClean="0">
+              <a:latin typeface="Arial" panose="020B0604020202020204" pitchFamily="34" charset="0"/>
+              <a:cs typeface="Arial" panose="020B0604020202020204" pitchFamily="34" charset="0"/>
+            </a:endParaRPr>
+          </a:p>
+          <a:p>
+            <a:r>
+              <a:rPr lang="en-US" altLang="ko-KR" dirty="0" smtClean="0">
+                <a:latin typeface="Arial" panose="020B0604020202020204" pitchFamily="34" charset="0"/>
+                <a:cs typeface="Arial" panose="020B0604020202020204" pitchFamily="34" charset="0"/>
+              </a:rPr>
+              <a:t>Locking</a:t>
+            </a:r>
+            <a:r>
+              <a:rPr lang="ko-KR" altLang="en-US" dirty="0" smtClean="0">
+                <a:latin typeface="Arial" panose="020B0604020202020204" pitchFamily="34" charset="0"/>
+                <a:cs typeface="Arial" panose="020B0604020202020204" pitchFamily="34" charset="0"/>
+              </a:rPr>
+              <a:t>을 사용하지않을 경우 </a:t>
+            </a:r>
+            <a:r>
+              <a:rPr lang="ko-KR" altLang="en-US" dirty="0" smtClean="0">
+                <a:latin typeface="Arial" panose="020B0604020202020204" pitchFamily="34" charset="0"/>
+                <a:cs typeface="Arial" panose="020B0604020202020204" pitchFamily="34" charset="0"/>
+              </a:rPr>
+              <a:t>메모리 릭 문제의 해결이 어려움</a:t>
+            </a:r>
+            <a:endParaRPr lang="en-US" altLang="ko-KR" dirty="0" smtClean="0">
+              <a:latin typeface="Arial" panose="020B0604020202020204" pitchFamily="34" charset="0"/>
+              <a:cs typeface="Arial" panose="020B0604020202020204" pitchFamily="34" charset="0"/>
+            </a:endParaRPr>
+          </a:p>
+          <a:p>
+            <a:pPr lvl="1"/>
+            <a:r>
+              <a:rPr lang="en-US" altLang="ko-KR" dirty="0" smtClean="0">
+                <a:latin typeface="Arial" panose="020B0604020202020204" pitchFamily="34" charset="0"/>
+                <a:cs typeface="Arial" panose="020B0604020202020204" pitchFamily="34" charset="0"/>
+              </a:rPr>
+              <a:t>lock</a:t>
+            </a:r>
+            <a:r>
+              <a:rPr lang="ko-KR" altLang="en-US" dirty="0" smtClean="0">
+                <a:latin typeface="Arial" panose="020B0604020202020204" pitchFamily="34" charset="0"/>
+                <a:cs typeface="Arial" panose="020B0604020202020204" pitchFamily="34" charset="0"/>
+              </a:rPr>
+              <a:t>을 사용할 경우 성능에 악영향</a:t>
+            </a:r>
+            <a:endParaRPr lang="en-US" altLang="ko-KR" dirty="0" smtClean="0">
+              <a:latin typeface="Arial" panose="020B0604020202020204" pitchFamily="34" charset="0"/>
+              <a:cs typeface="Arial" panose="020B0604020202020204" pitchFamily="34" charset="0"/>
+            </a:endParaRPr>
+          </a:p>
+          <a:p>
+            <a:pPr lvl="1"/>
+            <a:r>
+              <a:rPr lang="en-US" altLang="ko-KR" dirty="0" smtClean="0">
+                <a:latin typeface="Arial" panose="020B0604020202020204" pitchFamily="34" charset="0"/>
+                <a:cs typeface="Arial" panose="020B0604020202020204" pitchFamily="34" charset="0"/>
+              </a:rPr>
+              <a:t>lock</a:t>
+            </a:r>
+            <a:r>
+              <a:rPr lang="ko-KR" altLang="en-US" dirty="0" smtClean="0">
+                <a:latin typeface="Arial" panose="020B0604020202020204" pitchFamily="34" charset="0"/>
+                <a:cs typeface="Arial" panose="020B0604020202020204" pitchFamily="34" charset="0"/>
+              </a:rPr>
+              <a:t>을 사용하지 않</a:t>
+            </a:r>
+            <a:r>
+              <a:rPr lang="ko-KR" altLang="en-US" dirty="0" smtClean="0">
+                <a:latin typeface="Arial" panose="020B0604020202020204" pitchFamily="34" charset="0"/>
+                <a:cs typeface="Arial" panose="020B0604020202020204" pitchFamily="34" charset="0"/>
+              </a:rPr>
+              <a:t>는 </a:t>
+            </a:r>
+            <a:r>
+              <a:rPr lang="en-US" altLang="ko-KR" dirty="0" smtClean="0">
+                <a:latin typeface="Arial" panose="020B0604020202020204" pitchFamily="34" charset="0"/>
+                <a:cs typeface="Arial" panose="020B0604020202020204" pitchFamily="34" charset="0"/>
+              </a:rPr>
+              <a:t>Lock-Free </a:t>
+            </a:r>
+            <a:r>
+              <a:rPr lang="ko-KR" altLang="en-US" dirty="0" smtClean="0">
+                <a:latin typeface="Arial" panose="020B0604020202020204" pitchFamily="34" charset="0"/>
+                <a:cs typeface="Arial" panose="020B0604020202020204" pitchFamily="34" charset="0"/>
+              </a:rPr>
+              <a:t>알고리즘에서</a:t>
+            </a:r>
+            <a:r>
+              <a:rPr lang="en-US" altLang="ko-KR" dirty="0" smtClean="0">
+                <a:latin typeface="Arial" panose="020B0604020202020204" pitchFamily="34" charset="0"/>
+                <a:cs typeface="Arial" panose="020B0604020202020204" pitchFamily="34" charset="0"/>
+              </a:rPr>
+              <a:t>,</a:t>
+            </a:r>
+            <a:r>
+              <a:rPr lang="ko-KR" altLang="en-US" dirty="0" smtClean="0">
+                <a:latin typeface="Arial" panose="020B0604020202020204" pitchFamily="34" charset="0"/>
+                <a:cs typeface="Arial" panose="020B0604020202020204" pitchFamily="34" charset="0"/>
+              </a:rPr>
+              <a:t> 객체의 </a:t>
+            </a:r>
+            <a:r>
+              <a:rPr lang="en-US" altLang="ko-KR" dirty="0" smtClean="0">
+                <a:latin typeface="Arial" panose="020B0604020202020204" pitchFamily="34" charset="0"/>
+                <a:cs typeface="Arial" panose="020B0604020202020204" pitchFamily="34" charset="0"/>
+              </a:rPr>
+              <a:t>delete </a:t>
+            </a:r>
+            <a:r>
+              <a:rPr lang="ko-KR" altLang="en-US" dirty="0" smtClean="0">
+                <a:latin typeface="Arial" panose="020B0604020202020204" pitchFamily="34" charset="0"/>
+                <a:cs typeface="Arial" panose="020B0604020202020204" pitchFamily="34" charset="0"/>
+              </a:rPr>
+              <a:t>시 다른 </a:t>
+            </a:r>
+            <a:r>
+              <a:rPr lang="ko-KR" altLang="en-US" dirty="0" err="1" smtClean="0">
+                <a:latin typeface="Arial" panose="020B0604020202020204" pitchFamily="34" charset="0"/>
+                <a:cs typeface="Arial" panose="020B0604020202020204" pitchFamily="34" charset="0"/>
+              </a:rPr>
+              <a:t>쓰레드가</a:t>
+            </a:r>
+            <a:r>
+              <a:rPr lang="ko-KR" altLang="en-US" dirty="0" smtClean="0">
+                <a:latin typeface="Arial" panose="020B0604020202020204" pitchFamily="34" charset="0"/>
+                <a:cs typeface="Arial" panose="020B0604020202020204" pitchFamily="34" charset="0"/>
+              </a:rPr>
+              <a:t> 해당 객체를 참조하고 있을 위험성이 있음</a:t>
+            </a:r>
+            <a:r>
+              <a:rPr lang="en-US" altLang="ko-KR" dirty="0" smtClean="0">
+                <a:latin typeface="Arial" panose="020B0604020202020204" pitchFamily="34" charset="0"/>
+                <a:cs typeface="Arial" panose="020B0604020202020204" pitchFamily="34" charset="0"/>
+              </a:rPr>
+              <a:t>.</a:t>
+            </a:r>
+          </a:p>
+          <a:p>
+            <a:r>
+              <a:rPr lang="en-US" altLang="ko-KR" dirty="0" smtClean="0">
+                <a:latin typeface="Arial" panose="020B0604020202020204" pitchFamily="34" charset="0"/>
+                <a:cs typeface="Arial" panose="020B0604020202020204" pitchFamily="34" charset="0"/>
+              </a:rPr>
+              <a:t>C++11</a:t>
+            </a:r>
+            <a:r>
+              <a:rPr lang="ko-KR" altLang="en-US" dirty="0" smtClean="0">
+                <a:latin typeface="Arial" panose="020B0604020202020204" pitchFamily="34" charset="0"/>
+                <a:cs typeface="Arial" panose="020B0604020202020204" pitchFamily="34" charset="0"/>
+              </a:rPr>
+              <a:t>에서는 </a:t>
+            </a:r>
+            <a:r>
+              <a:rPr lang="en-US" altLang="ko-KR" dirty="0" smtClean="0">
+                <a:latin typeface="Arial" panose="020B0604020202020204" pitchFamily="34" charset="0"/>
+                <a:cs typeface="Arial" panose="020B0604020202020204" pitchFamily="34" charset="0"/>
+              </a:rPr>
+              <a:t>reference counting</a:t>
+            </a:r>
+            <a:r>
+              <a:rPr lang="ko-KR" altLang="en-US" dirty="0" smtClean="0">
+                <a:latin typeface="Arial" panose="020B0604020202020204" pitchFamily="34" charset="0"/>
+                <a:cs typeface="Arial" panose="020B0604020202020204" pitchFamily="34" charset="0"/>
+              </a:rPr>
+              <a:t>을 통한 메모리 릭 제거 기능을 </a:t>
+            </a:r>
+            <a:r>
+              <a:rPr lang="en-US" altLang="ko-KR" dirty="0" err="1" smtClean="0">
+                <a:latin typeface="Arial" panose="020B0604020202020204" pitchFamily="34" charset="0"/>
+                <a:cs typeface="Arial" panose="020B0604020202020204" pitchFamily="34" charset="0"/>
+              </a:rPr>
               <a:t>shared_ptr</a:t>
             </a:r>
-            <a:endParaRPr lang="en-US" altLang="ko-KR" dirty="0"/>
-          </a:p>
-          <a:p>
-            <a:pPr marL="0" indent="0">
-              <a:buNone/>
-            </a:pPr>
-            <a:endParaRPr lang="en-US" altLang="ko-KR" dirty="0"/>
-          </a:p>
-          <a:p>
-            <a:pPr marL="0" indent="0">
-              <a:buNone/>
-            </a:pPr>
-            <a:r>
-              <a:rPr lang="en-US" altLang="ko-KR" dirty="0" err="1"/>
-              <a:t>Shared_ptr</a:t>
-            </a:r>
-            <a:r>
-              <a:rPr lang="en-US" altLang="ko-KR" dirty="0"/>
-              <a:t> </a:t>
-            </a:r>
-            <a:r>
-              <a:rPr lang="ko-KR" altLang="en-US" dirty="0"/>
-              <a:t>특징</a:t>
-            </a:r>
-            <a:endParaRPr lang="en-US" altLang="ko-KR" dirty="0"/>
-          </a:p>
-          <a:p>
-            <a:pPr marL="0" indent="0">
-              <a:buNone/>
-            </a:pPr>
-            <a:r>
-              <a:rPr lang="en-US" altLang="ko-KR" dirty="0"/>
-              <a:t>  - reference</a:t>
-            </a:r>
-            <a:r>
-              <a:rPr lang="ko-KR" altLang="en-US" dirty="0"/>
-              <a:t> </a:t>
-            </a:r>
-            <a:r>
-              <a:rPr lang="en-US" altLang="ko-KR" dirty="0" err="1"/>
-              <a:t>counte</a:t>
-            </a:r>
-            <a:r>
-              <a:rPr lang="ko-KR" altLang="en-US" dirty="0"/>
-              <a:t>의 원자적인 관리</a:t>
-            </a:r>
-            <a:endParaRPr lang="en-US" altLang="ko-KR" dirty="0"/>
-          </a:p>
-          <a:p>
-            <a:pPr marL="0" indent="0">
-              <a:buNone/>
-            </a:pPr>
-            <a:r>
-              <a:rPr lang="en-US" altLang="ko-KR" dirty="0"/>
-              <a:t>  - </a:t>
-            </a:r>
-            <a:r>
-              <a:rPr lang="ko-KR" altLang="en-US" dirty="0"/>
-              <a:t>공유 </a:t>
-            </a:r>
-            <a:r>
-              <a:rPr lang="en-US" altLang="ko-KR" dirty="0" err="1"/>
+            <a:r>
+              <a:rPr lang="ko-KR" altLang="en-US" dirty="0" smtClean="0">
+                <a:latin typeface="Arial" panose="020B0604020202020204" pitchFamily="34" charset="0"/>
+                <a:cs typeface="Arial" panose="020B0604020202020204" pitchFamily="34" charset="0"/>
+              </a:rPr>
+              <a:t>를 통해서 지원함</a:t>
+            </a:r>
+            <a:r>
+              <a:rPr lang="en-US" altLang="ko-KR" dirty="0" smtClean="0">
+                <a:latin typeface="Arial" panose="020B0604020202020204" pitchFamily="34" charset="0"/>
+                <a:cs typeface="Arial" panose="020B0604020202020204" pitchFamily="34" charset="0"/>
+              </a:rPr>
+              <a:t>.</a:t>
+            </a:r>
+          </a:p>
+          <a:p>
+            <a:pPr lvl="1"/>
+            <a:r>
+              <a:rPr lang="ko-KR" altLang="en-US" dirty="0" smtClean="0">
+                <a:latin typeface="Arial" panose="020B0604020202020204" pitchFamily="34" charset="0"/>
+                <a:cs typeface="Arial" panose="020B0604020202020204" pitchFamily="34" charset="0"/>
+              </a:rPr>
+              <a:t>하지만 </a:t>
+            </a:r>
+            <a:r>
+              <a:rPr lang="en-US" altLang="ko-KR" dirty="0" err="1" smtClean="0">
+                <a:latin typeface="Arial" panose="020B0604020202020204" pitchFamily="34" charset="0"/>
+                <a:cs typeface="Arial" panose="020B0604020202020204" pitchFamily="34" charset="0"/>
+              </a:rPr>
+              <a:t>thread_safe</a:t>
+            </a:r>
+            <a:r>
+              <a:rPr lang="ko-KR" altLang="en-US" dirty="0" smtClean="0">
+                <a:latin typeface="Arial" panose="020B0604020202020204" pitchFamily="34" charset="0"/>
+                <a:cs typeface="Arial" panose="020B0604020202020204" pitchFamily="34" charset="0"/>
+              </a:rPr>
+              <a:t>하지 않음</a:t>
+            </a:r>
+            <a:r>
+              <a:rPr lang="en-US" altLang="ko-KR" dirty="0" smtClean="0">
+                <a:latin typeface="Arial" panose="020B0604020202020204" pitchFamily="34" charset="0"/>
+                <a:cs typeface="Arial" panose="020B0604020202020204" pitchFamily="34" charset="0"/>
+              </a:rPr>
+              <a:t>.</a:t>
+            </a:r>
+          </a:p>
+          <a:p>
+            <a:r>
+              <a:rPr lang="en-US" altLang="ko-KR" dirty="0" smtClean="0">
+                <a:latin typeface="Arial" panose="020B0604020202020204" pitchFamily="34" charset="0"/>
+                <a:cs typeface="Arial" panose="020B0604020202020204" pitchFamily="34" charset="0"/>
+              </a:rPr>
+              <a:t>Lock</a:t>
+            </a:r>
+            <a:r>
+              <a:rPr lang="ko-KR" altLang="en-US" dirty="0" smtClean="0">
+                <a:latin typeface="Arial" panose="020B0604020202020204" pitchFamily="34" charset="0"/>
+                <a:cs typeface="Arial" panose="020B0604020202020204" pitchFamily="34" charset="0"/>
+              </a:rPr>
+              <a:t>을 통해서 </a:t>
+            </a:r>
+            <a:r>
+              <a:rPr lang="en-US" altLang="ko-KR" dirty="0" err="1" smtClean="0">
+                <a:latin typeface="Arial" panose="020B0604020202020204" pitchFamily="34" charset="0"/>
+                <a:cs typeface="Arial" panose="020B0604020202020204" pitchFamily="34" charset="0"/>
+              </a:rPr>
               <a:t>shared_ptr</a:t>
             </a:r>
             <a:r>
-              <a:rPr lang="ko-KR" altLang="en-US" dirty="0"/>
-              <a:t> 변수의 </a:t>
-            </a:r>
-            <a:r>
-              <a:rPr lang="en-US" altLang="ko-KR" dirty="0"/>
-              <a:t>thread safe </a:t>
-            </a:r>
-            <a:r>
-              <a:rPr lang="ko-KR" altLang="en-US" dirty="0"/>
-              <a:t>하지않은 접근</a:t>
-            </a:r>
-            <a:endParaRPr lang="en-US" altLang="ko-KR" dirty="0"/>
-          </a:p>
-          <a:p>
-            <a:pPr marL="0" indent="0">
-              <a:buNone/>
-            </a:pPr>
-            <a:endParaRPr lang="en-US" altLang="ko-KR" dirty="0"/>
-          </a:p>
-          <a:p>
-            <a:pPr marL="0" indent="0">
-              <a:buNone/>
-            </a:pPr>
-            <a:r>
-              <a:rPr lang="en-US" altLang="ko-KR" dirty="0"/>
-              <a:t>	=&gt; </a:t>
-            </a:r>
-            <a:r>
-              <a:rPr lang="ko-KR" altLang="en-US" dirty="0"/>
-              <a:t>공유 </a:t>
-            </a:r>
-            <a:r>
-              <a:rPr lang="en-US" altLang="ko-KR" dirty="0" err="1"/>
+              <a:rPr lang="ko-KR" altLang="en-US" dirty="0" smtClean="0">
+                <a:latin typeface="Arial" panose="020B0604020202020204" pitchFamily="34" charset="0"/>
+                <a:cs typeface="Arial" panose="020B0604020202020204" pitchFamily="34" charset="0"/>
+              </a:rPr>
+              <a:t>를 </a:t>
+            </a:r>
+            <a:r>
+              <a:rPr lang="en-US" altLang="ko-KR" dirty="0" err="1" smtClean="0">
+                <a:latin typeface="Arial" panose="020B0604020202020204" pitchFamily="34" charset="0"/>
+                <a:cs typeface="Arial" panose="020B0604020202020204" pitchFamily="34" charset="0"/>
+              </a:rPr>
+              <a:t>thread_safe</a:t>
+            </a:r>
+            <a:r>
+              <a:rPr lang="ko-KR" altLang="en-US" dirty="0" smtClean="0">
+                <a:latin typeface="Arial" panose="020B0604020202020204" pitchFamily="34" charset="0"/>
+                <a:cs typeface="Arial" panose="020B0604020202020204" pitchFamily="34" charset="0"/>
+              </a:rPr>
+              <a:t>하게 만들 수 있지만</a:t>
+            </a:r>
+            <a:r>
+              <a:rPr lang="en-US" altLang="ko-KR" dirty="0" smtClean="0">
+                <a:latin typeface="Arial" panose="020B0604020202020204" pitchFamily="34" charset="0"/>
+                <a:cs typeface="Arial" panose="020B0604020202020204" pitchFamily="34" charset="0"/>
+              </a:rPr>
+              <a:t>, </a:t>
+            </a:r>
+            <a:r>
+              <a:rPr lang="ko-KR" altLang="en-US" dirty="0" smtClean="0">
+                <a:latin typeface="Arial" panose="020B0604020202020204" pitchFamily="34" charset="0"/>
+                <a:cs typeface="Arial" panose="020B0604020202020204" pitchFamily="34" charset="0"/>
+              </a:rPr>
+              <a:t>그러면 </a:t>
+            </a:r>
+            <a:r>
+              <a:rPr lang="en-US" altLang="ko-KR" dirty="0" smtClean="0">
+                <a:latin typeface="Arial" panose="020B0604020202020204" pitchFamily="34" charset="0"/>
+                <a:cs typeface="Arial" panose="020B0604020202020204" pitchFamily="34" charset="0"/>
+              </a:rPr>
+              <a:t>Lock-Free</a:t>
+            </a:r>
+            <a:r>
+              <a:rPr lang="ko-KR" altLang="en-US" dirty="0" smtClean="0">
+                <a:latin typeface="Arial" panose="020B0604020202020204" pitchFamily="34" charset="0"/>
+                <a:cs typeface="Arial" panose="020B0604020202020204" pitchFamily="34" charset="0"/>
+              </a:rPr>
+              <a:t>알고리즘이 더 이상 </a:t>
+            </a:r>
+            <a:r>
+              <a:rPr lang="en-US" altLang="ko-KR" dirty="0" smtClean="0">
+                <a:latin typeface="Arial" panose="020B0604020202020204" pitchFamily="34" charset="0"/>
+                <a:cs typeface="Arial" panose="020B0604020202020204" pitchFamily="34" charset="0"/>
+              </a:rPr>
+              <a:t>Lock-Free</a:t>
+            </a:r>
+            <a:r>
+              <a:rPr lang="ko-KR" altLang="en-US" dirty="0" smtClean="0">
+                <a:latin typeface="Arial" panose="020B0604020202020204" pitchFamily="34" charset="0"/>
+                <a:cs typeface="Arial" panose="020B0604020202020204" pitchFamily="34" charset="0"/>
+              </a:rPr>
+              <a:t>하지 않게 됨</a:t>
+            </a:r>
+            <a:r>
+              <a:rPr lang="en-US" altLang="ko-KR" dirty="0" smtClean="0">
+                <a:latin typeface="Arial" panose="020B0604020202020204" pitchFamily="34" charset="0"/>
+                <a:cs typeface="Arial" panose="020B0604020202020204" pitchFamily="34" charset="0"/>
+              </a:rPr>
+              <a:t>.</a:t>
+            </a:r>
+          </a:p>
+          <a:p>
+            <a:r>
+              <a:rPr lang="ko-KR" altLang="en-US" dirty="0" smtClean="0">
+                <a:latin typeface="Arial" panose="020B0604020202020204" pitchFamily="34" charset="0"/>
+                <a:cs typeface="Arial" panose="020B0604020202020204" pitchFamily="34" charset="0"/>
+              </a:rPr>
+              <a:t>따라서</a:t>
+            </a:r>
+            <a:r>
+              <a:rPr lang="en-US" altLang="ko-KR" dirty="0" smtClean="0">
+                <a:latin typeface="Arial" panose="020B0604020202020204" pitchFamily="34" charset="0"/>
+                <a:cs typeface="Arial" panose="020B0604020202020204" pitchFamily="34" charset="0"/>
+              </a:rPr>
+              <a:t>, Lock-Free</a:t>
+            </a:r>
+            <a:r>
+              <a:rPr lang="ko-KR" altLang="en-US" dirty="0" smtClean="0">
+                <a:latin typeface="Arial" panose="020B0604020202020204" pitchFamily="34" charset="0"/>
+                <a:cs typeface="Arial" panose="020B0604020202020204" pitchFamily="34" charset="0"/>
+              </a:rPr>
+              <a:t>한 </a:t>
+            </a:r>
+            <a:r>
+              <a:rPr lang="en-US" altLang="ko-KR" dirty="0" err="1" smtClean="0">
+                <a:latin typeface="Arial" panose="020B0604020202020204" pitchFamily="34" charset="0"/>
+                <a:cs typeface="Arial" panose="020B0604020202020204" pitchFamily="34" charset="0"/>
+              </a:rPr>
               <a:t>shared_ptr</a:t>
             </a:r>
             <a:r>
-              <a:rPr lang="ko-KR" altLang="en-US" dirty="0"/>
-              <a:t>의 변수에 원자적인 접근 필요</a:t>
-            </a:r>
-            <a:endParaRPr lang="en-US" altLang="ko-KR" dirty="0"/>
+              <a:rPr lang="ko-KR" altLang="en-US" dirty="0" smtClean="0">
+                <a:latin typeface="Arial" panose="020B0604020202020204" pitchFamily="34" charset="0"/>
+                <a:cs typeface="Arial" panose="020B0604020202020204" pitchFamily="34" charset="0"/>
+              </a:rPr>
+              <a:t>가 필요</a:t>
+            </a:r>
+            <a:endParaRPr lang="en-US" altLang="ko-KR" dirty="0">
+              <a:latin typeface="Arial" panose="020B0604020202020204" pitchFamily="34" charset="0"/>
+              <a:cs typeface="Arial" panose="020B0604020202020204" pitchFamily="34" charset="0"/>
+            </a:endParaRPr>
           </a:p>
         </p:txBody>
       </p:sp>
@@ -4734,9 +4680,10 @@
           <a:lstStyle/>
           <a:p>
             <a:r>
-              <a:rPr lang="ko-KR" altLang="en-US" dirty="0"/>
+              <a:rPr lang="ko-KR" altLang="en-US" smtClean="0"/>
               <a:t>배경</a:t>
             </a:r>
+            <a:endParaRPr lang="ko-KR" altLang="en-US" dirty="0"/>
           </a:p>
         </p:txBody>
       </p:sp>
@@ -4758,130 +4705,134 @@
         </p:nvSpPr>
         <p:spPr/>
         <p:txBody>
-          <a:bodyPr anchor="ctr" anchorCtr="0"/>
-          <a:lstStyle/>
-          <a:p>
-            <a:pPr marL="0" indent="0">
-              <a:buNone/>
-            </a:pPr>
-            <a:r>
-              <a:rPr lang="en-US" altLang="ko-KR" dirty="0"/>
-              <a:t>Non-blocking(Lock-free)</a:t>
-            </a:r>
-            <a:r>
-              <a:rPr lang="ko-KR" altLang="en-US" dirty="0"/>
-              <a:t>의 필요성 </a:t>
-            </a:r>
-            <a:endParaRPr lang="en-US" altLang="ko-KR" dirty="0"/>
-          </a:p>
-          <a:p>
-            <a:pPr marL="0" indent="0">
-              <a:buNone/>
-            </a:pPr>
-            <a:r>
-              <a:rPr lang="en-US" altLang="ko-KR" dirty="0"/>
-              <a:t>  : lock</a:t>
-            </a:r>
-            <a:r>
-              <a:rPr lang="ko-KR" altLang="en-US" dirty="0"/>
-              <a:t>을 이용할 경우</a:t>
-            </a:r>
-            <a:r>
-              <a:rPr lang="en-US" altLang="ko-KR" dirty="0"/>
+          <a:bodyPr/>
+          <a:lstStyle/>
+          <a:p>
+            <a:r>
+              <a:rPr lang="en-US" altLang="ko-KR" dirty="0" smtClean="0"/>
+              <a:t>Lock-Free : </a:t>
+            </a:r>
+            <a:r>
+              <a:rPr lang="ko-KR" altLang="en-US" dirty="0" err="1" smtClean="0"/>
+              <a:t>멀티쓰레드</a:t>
+            </a:r>
+            <a:r>
+              <a:rPr lang="ko-KR" altLang="en-US" dirty="0" smtClean="0"/>
+              <a:t> 알고리즘의 성능 등급</a:t>
+            </a:r>
+            <a:endParaRPr lang="en-US" altLang="ko-KR" dirty="0" smtClean="0"/>
+          </a:p>
+          <a:p>
+            <a:pPr lvl="1"/>
+            <a:r>
+              <a:rPr lang="ko-KR" altLang="en-US" dirty="0" smtClean="0"/>
+              <a:t>정해진 시간간격이 있을 때 적어도 하나의 </a:t>
+            </a:r>
+            <a:r>
+              <a:rPr lang="ko-KR" altLang="en-US" dirty="0" err="1" smtClean="0"/>
+              <a:t>쓰레드는</a:t>
+            </a:r>
+            <a:r>
+              <a:rPr lang="ko-KR" altLang="en-US" dirty="0" smtClean="0"/>
+              <a:t> 알고리즘의 실행을 종료</a:t>
+            </a:r>
+            <a:r>
+              <a:rPr lang="en-US" altLang="ko-KR" dirty="0" smtClean="0"/>
+              <a:t>.</a:t>
+            </a:r>
+          </a:p>
+          <a:p>
+            <a:pPr lvl="1"/>
+            <a:r>
+              <a:rPr lang="ko-KR" altLang="en-US" dirty="0" smtClean="0"/>
+              <a:t>다르게 이야기 하면</a:t>
+            </a:r>
+            <a:r>
+              <a:rPr lang="en-US" altLang="ko-KR" dirty="0" smtClean="0"/>
               <a:t>, </a:t>
             </a:r>
             <a:r>
-              <a:rPr lang="ko-KR" altLang="en-US" dirty="0"/>
-              <a:t>일부 쓰레드의 대기</a:t>
-            </a:r>
-            <a:r>
-              <a:rPr lang="en-US" altLang="ko-KR" dirty="0"/>
-              <a:t>(</a:t>
-            </a:r>
-            <a:r>
-              <a:rPr lang="ko-KR" altLang="en-US" dirty="0"/>
-              <a:t>성능저하</a:t>
-            </a:r>
-            <a:r>
-              <a:rPr lang="en-US" altLang="ko-KR" dirty="0"/>
+              <a:rPr lang="ko-KR" altLang="en-US" dirty="0" err="1" smtClean="0"/>
+              <a:t>다른쓰레드의</a:t>
+            </a:r>
+            <a:r>
+              <a:rPr lang="ko-KR" altLang="en-US" dirty="0" smtClean="0"/>
+              <a:t> 상태나 행동에 관계 없이 자신의 알고리즘의 </a:t>
+            </a:r>
+            <a:r>
+              <a:rPr lang="ko-KR" altLang="en-US" dirty="0" smtClean="0"/>
+              <a:t>수행을 완료할 수 있음 </a:t>
+            </a:r>
+            <a:r>
+              <a:rPr lang="en-US" altLang="ko-KR" dirty="0" smtClean="0"/>
+              <a:t>(Non-Blocking </a:t>
+            </a:r>
+            <a:r>
+              <a:rPr lang="ko-KR" altLang="en-US" dirty="0" smtClean="0"/>
+              <a:t>특성</a:t>
+            </a:r>
+            <a:r>
+              <a:rPr lang="en-US" altLang="ko-KR" dirty="0" smtClean="0"/>
               <a:t>)</a:t>
             </a:r>
           </a:p>
           <a:p>
-            <a:pPr marL="0" indent="0">
-              <a:buNone/>
-            </a:pPr>
-            <a:r>
-              <a:rPr lang="en-US" altLang="ko-KR" dirty="0"/>
-              <a:t>	-&gt; lock</a:t>
-            </a:r>
-            <a:r>
-              <a:rPr lang="ko-KR" altLang="en-US" dirty="0"/>
-              <a:t>이 필요한 다른 쓰레드의 작업 완료 지연</a:t>
-            </a:r>
-            <a:r>
-              <a:rPr lang="en-US" altLang="ko-KR" dirty="0"/>
-              <a:t>(</a:t>
-            </a:r>
-            <a:r>
-              <a:rPr lang="ko-KR" altLang="en-US" dirty="0"/>
-              <a:t>병목현상</a:t>
-            </a:r>
-            <a:r>
-              <a:rPr lang="en-US" altLang="ko-KR" dirty="0"/>
-              <a:t>)</a:t>
-            </a:r>
-          </a:p>
-          <a:p>
-            <a:pPr marL="0" indent="0">
-              <a:buNone/>
-            </a:pPr>
-            <a:endParaRPr lang="en-US" altLang="ko-KR" dirty="0"/>
-          </a:p>
-          <a:p>
-            <a:pPr marL="0" indent="0">
-              <a:buNone/>
-            </a:pPr>
-            <a:r>
-              <a:rPr lang="en-US" altLang="ko-KR" dirty="0"/>
-              <a:t>Garbage Collector </a:t>
-            </a:r>
-            <a:r>
-              <a:rPr lang="ko-KR" altLang="en-US" dirty="0"/>
-              <a:t>구현</a:t>
-            </a:r>
-            <a:r>
-              <a:rPr lang="en-US" altLang="ko-KR" dirty="0"/>
-              <a:t>?</a:t>
-            </a:r>
-          </a:p>
-          <a:p>
-            <a:pPr marL="0" indent="0">
-              <a:buNone/>
-            </a:pPr>
-            <a:r>
-              <a:rPr lang="en-US" altLang="ko-KR" dirty="0"/>
-              <a:t>  - </a:t>
-            </a:r>
-            <a:r>
-              <a:rPr lang="ko-KR" altLang="en-US" dirty="0"/>
-              <a:t>메모리 해제 결정의 오버헤드</a:t>
-            </a:r>
-            <a:endParaRPr lang="en-US" altLang="ko-KR" dirty="0"/>
-          </a:p>
-          <a:p>
-            <a:pPr marL="0" indent="0">
-              <a:buNone/>
-            </a:pPr>
-            <a:r>
-              <a:rPr lang="en-US" altLang="ko-KR" dirty="0"/>
-              <a:t>  - </a:t>
-            </a:r>
-            <a:r>
-              <a:rPr lang="ko-KR" altLang="en-US" dirty="0"/>
-              <a:t>프로그램의 일시적인 정지</a:t>
-            </a:r>
-            <a:endParaRPr lang="en-US" altLang="ko-KR" dirty="0"/>
+            <a:r>
+              <a:rPr lang="en-US" altLang="ko-KR" dirty="0" smtClean="0"/>
+              <a:t>Reference-Counting : </a:t>
+            </a:r>
+            <a:r>
+              <a:rPr lang="ko-KR" altLang="en-US" dirty="0" smtClean="0"/>
+              <a:t>메모리 관리 기법의 하나</a:t>
+            </a:r>
+            <a:r>
+              <a:rPr lang="en-US" altLang="ko-KR" dirty="0" smtClean="0"/>
+              <a:t>.</a:t>
+            </a:r>
+          </a:p>
+          <a:p>
+            <a:pPr lvl="1"/>
+            <a:r>
+              <a:rPr lang="en-US" altLang="ko-KR" dirty="0" smtClean="0"/>
+              <a:t>new</a:t>
+            </a:r>
+            <a:r>
+              <a:rPr lang="ko-KR" altLang="en-US" dirty="0" smtClean="0"/>
+              <a:t>로 할당 받은 객체 마다 </a:t>
+            </a:r>
+            <a:r>
+              <a:rPr lang="en-US" altLang="ko-KR" dirty="0" smtClean="0"/>
+              <a:t>reference-count</a:t>
+            </a:r>
+            <a:r>
+              <a:rPr lang="ko-KR" altLang="en-US" dirty="0" smtClean="0"/>
+              <a:t>를 두어 참조하는 포인터의 개수를 기록하는 방법</a:t>
+            </a:r>
+            <a:endParaRPr lang="en-US" altLang="ko-KR" dirty="0" smtClean="0"/>
+          </a:p>
+          <a:p>
+            <a:pPr lvl="1"/>
+            <a:r>
+              <a:rPr lang="en-US" altLang="ko-KR" dirty="0" smtClean="0"/>
+              <a:t>reference-counter</a:t>
+            </a:r>
+            <a:r>
+              <a:rPr lang="ko-KR" altLang="en-US" dirty="0" smtClean="0"/>
+              <a:t>가 </a:t>
+            </a:r>
+            <a:r>
+              <a:rPr lang="en-US" altLang="ko-KR" dirty="0" smtClean="0"/>
+              <a:t>0</a:t>
+            </a:r>
+            <a:r>
+              <a:rPr lang="ko-KR" altLang="en-US" dirty="0" smtClean="0"/>
+              <a:t>이 되면 더 이상 참조될 가능성이 없으므로 안심하고 삭제 또는 재사용 할 수 있음</a:t>
+            </a:r>
+            <a:r>
+              <a:rPr lang="en-US" altLang="ko-KR" dirty="0" smtClean="0"/>
+              <a:t>.</a:t>
+            </a:r>
+            <a:endParaRPr lang="en-US" altLang="ko-KR" dirty="0" smtClean="0"/>
           </a:p>
         </p:txBody>
       </p:sp>
@@ -4937,9 +4888,10 @@
           <a:lstStyle/>
           <a:p>
             <a:r>
-              <a:rPr lang="ko-KR" altLang="en-US" dirty="0"/>
+              <a:rPr lang="ko-KR" altLang="en-US" smtClean="0"/>
               <a:t>배경</a:t>
             </a:r>
+            <a:endParaRPr lang="ko-KR" altLang="en-US" dirty="0"/>
           </a:p>
         </p:txBody>
       </p:sp>
@@ -4959,113 +4911,145 @@
             <p:ph idx="1"/>
           </p:nvPr>
         </p:nvSpPr>
-        <p:spPr>
-          <a:xfrm>
-            <a:off x="838200" y="1825625"/>
-            <a:ext cx="10515600" cy="4351338"/>
-          </a:xfrm>
-        </p:spPr>
-        <p:txBody>
-          <a:bodyPr anchor="ctr" anchorCtr="0"/>
-          <a:lstStyle/>
-          <a:p>
-            <a:pPr marL="0" indent="0">
-              <a:buNone/>
-            </a:pPr>
-            <a:r>
-              <a:rPr lang="en-US" altLang="ko-KR" dirty="0"/>
-              <a:t>Free-list </a:t>
-            </a:r>
-            <a:r>
-              <a:rPr lang="ko-KR" altLang="en-US" dirty="0"/>
-              <a:t>구현</a:t>
-            </a:r>
-            <a:r>
-              <a:rPr lang="en-US" altLang="ko-KR" dirty="0"/>
-              <a:t>?</a:t>
-            </a:r>
-          </a:p>
-          <a:p>
-            <a:pPr marL="0" indent="0">
-              <a:buNone/>
-            </a:pPr>
-            <a:r>
-              <a:rPr lang="en-US" altLang="ko-KR" dirty="0"/>
-              <a:t>  - lock</a:t>
-            </a:r>
-            <a:r>
-              <a:rPr lang="ko-KR" altLang="en-US" dirty="0"/>
-              <a:t>의 이용</a:t>
-            </a:r>
-            <a:r>
-              <a:rPr lang="en-US" altLang="ko-KR" dirty="0"/>
-              <a:t>(</a:t>
-            </a:r>
-            <a:r>
-              <a:rPr lang="ko-KR" altLang="en-US" dirty="0"/>
-              <a:t>성능저하</a:t>
-            </a:r>
-            <a:r>
-              <a:rPr lang="en-US" altLang="ko-KR" dirty="0"/>
-              <a:t>, blocking)</a:t>
-            </a:r>
-          </a:p>
-          <a:p>
-            <a:pPr marL="0" indent="0">
-              <a:buNone/>
-            </a:pPr>
-            <a:r>
-              <a:rPr lang="en-US" altLang="ko-KR" dirty="0"/>
-              <a:t>  - </a:t>
-            </a:r>
-            <a:r>
-              <a:rPr lang="ko-KR" altLang="en-US" dirty="0"/>
-              <a:t>유지보수의 오버헤드</a:t>
-            </a:r>
-            <a:endParaRPr lang="en-US" altLang="ko-KR" dirty="0"/>
-          </a:p>
-          <a:p>
-            <a:pPr marL="0" indent="0">
-              <a:buNone/>
-            </a:pPr>
-            <a:endParaRPr lang="en-US" altLang="ko-KR" dirty="0"/>
-          </a:p>
-          <a:p>
-            <a:pPr marL="0" indent="0">
-              <a:buNone/>
-            </a:pPr>
-            <a:r>
-              <a:rPr lang="en-US" altLang="ko-KR" dirty="0"/>
-              <a:t>std::</a:t>
-            </a:r>
-            <a:r>
-              <a:rPr lang="en-US" altLang="ko-KR" dirty="0" err="1"/>
+        <p:spPr/>
+        <p:txBody>
+          <a:bodyPr>
+            <a:normAutofit/>
+          </a:bodyPr>
+          <a:lstStyle/>
+          <a:p>
+            <a:r>
+              <a:rPr lang="en-US" altLang="ko-KR" dirty="0" err="1" smtClean="0"/>
               <a:t>shared_ptr</a:t>
             </a:r>
             <a:r>
-              <a:rPr lang="en-US" altLang="ko-KR" dirty="0"/>
-              <a:t> </a:t>
-            </a:r>
-            <a:r>
-              <a:rPr lang="ko-KR" altLang="en-US" dirty="0"/>
-              <a:t>이용</a:t>
-            </a:r>
-            <a:r>
-              <a:rPr lang="en-US" altLang="ko-KR" dirty="0"/>
-              <a:t>?</a:t>
-            </a:r>
-          </a:p>
-          <a:p>
-            <a:pPr marL="0" indent="0">
-              <a:buNone/>
-            </a:pPr>
-            <a:r>
-              <a:rPr lang="en-US" altLang="ko-KR" dirty="0"/>
-              <a:t>  - </a:t>
-            </a:r>
-            <a:r>
-              <a:rPr lang="ko-KR" altLang="en-US" dirty="0"/>
-              <a:t>공유 변수의 원자적이지 않은 접근</a:t>
+              <a:rPr lang="en-US" altLang="ko-KR" dirty="0" smtClean="0"/>
+              <a:t> : C++11</a:t>
+            </a:r>
+            <a:r>
+              <a:rPr lang="ko-KR" altLang="en-US" dirty="0" smtClean="0"/>
+              <a:t>에서 제공하는 </a:t>
+            </a:r>
+            <a:r>
+              <a:rPr lang="en-US" altLang="ko-KR" dirty="0" smtClean="0"/>
+              <a:t>reference counting pointer</a:t>
+            </a:r>
+          </a:p>
+          <a:p>
+            <a:r>
+              <a:rPr lang="en-US" altLang="ko-KR" dirty="0" err="1" smtClean="0"/>
+              <a:t>weak_ptr</a:t>
+            </a:r>
+            <a:r>
+              <a:rPr lang="en-US" altLang="ko-KR" dirty="0" smtClean="0"/>
+              <a:t> : C++11</a:t>
+            </a:r>
+            <a:r>
+              <a:rPr lang="ko-KR" altLang="en-US" dirty="0" smtClean="0"/>
+              <a:t>에서 제공하는 </a:t>
+            </a:r>
+            <a:r>
+              <a:rPr lang="en-US" altLang="ko-KR" dirty="0" smtClean="0"/>
+              <a:t>reference counting pointer</a:t>
+            </a:r>
+            <a:r>
+              <a:rPr lang="ko-KR" altLang="en-US" dirty="0" smtClean="0"/>
+              <a:t>의 보조 포인터</a:t>
+            </a:r>
+            <a:endParaRPr lang="en-US" altLang="ko-KR" dirty="0" smtClean="0"/>
+          </a:p>
+          <a:p>
+            <a:pPr lvl="1"/>
+            <a:r>
+              <a:rPr lang="en-US" altLang="ko-KR" dirty="0" err="1" smtClean="0"/>
+              <a:t>shared_ptr</a:t>
+            </a:r>
+            <a:r>
+              <a:rPr lang="ko-KR" altLang="en-US" dirty="0" smtClean="0"/>
+              <a:t>만 사용할 경우 </a:t>
+            </a:r>
+            <a:r>
+              <a:rPr lang="en-US" altLang="ko-KR" dirty="0" smtClean="0"/>
+              <a:t>cyclic reference</a:t>
+            </a:r>
+            <a:r>
+              <a:rPr lang="ko-KR" altLang="en-US" dirty="0" smtClean="0"/>
+              <a:t>를 통한 메모리 릭이 생길 수 있으므로</a:t>
+            </a:r>
+            <a:r>
+              <a:rPr lang="en-US" altLang="ko-KR" dirty="0" smtClean="0"/>
+              <a:t>, cyclic reference</a:t>
+            </a:r>
+            <a:r>
+              <a:rPr lang="ko-KR" altLang="en-US" dirty="0" smtClean="0"/>
+              <a:t>가 사용될 때 </a:t>
+            </a:r>
+            <a:r>
+              <a:rPr lang="en-US" altLang="ko-KR" dirty="0" err="1" smtClean="0"/>
+              <a:t>shared_ptr</a:t>
+            </a:r>
+            <a:r>
+              <a:rPr lang="ko-KR" altLang="en-US" dirty="0" smtClean="0"/>
+              <a:t>대신 </a:t>
+            </a:r>
+            <a:r>
+              <a:rPr lang="en-US" altLang="ko-KR" dirty="0" err="1" smtClean="0"/>
+              <a:t>weak_ptr</a:t>
+            </a:r>
+            <a:r>
+              <a:rPr lang="ko-KR" altLang="en-US" dirty="0" smtClean="0"/>
+              <a:t>를 사용해서 </a:t>
+            </a:r>
+            <a:r>
+              <a:rPr lang="en-US" altLang="ko-KR" dirty="0" smtClean="0"/>
+              <a:t>cycle</a:t>
+            </a:r>
+            <a:r>
+              <a:rPr lang="ko-KR" altLang="en-US" dirty="0" smtClean="0"/>
+              <a:t>을 끊어 줄 수 있다</a:t>
+            </a:r>
+            <a:r>
+              <a:rPr lang="en-US" altLang="ko-KR" dirty="0" smtClean="0"/>
+              <a:t>.</a:t>
+            </a:r>
+          </a:p>
+          <a:p>
+            <a:pPr lvl="1"/>
+            <a:r>
+              <a:rPr lang="en-US" altLang="ko-KR" dirty="0" err="1" smtClean="0"/>
+              <a:t>shared_ptr</a:t>
+            </a:r>
+            <a:r>
+              <a:rPr lang="ko-KR" altLang="en-US" dirty="0" smtClean="0"/>
+              <a:t>를 </a:t>
+            </a:r>
+            <a:r>
+              <a:rPr lang="en-US" altLang="ko-KR" dirty="0" smtClean="0"/>
+              <a:t>lock-free</a:t>
+            </a:r>
+            <a:r>
+              <a:rPr lang="ko-KR" altLang="en-US" dirty="0" smtClean="0"/>
+              <a:t>로 구현한다면 </a:t>
+            </a:r>
+            <a:r>
+              <a:rPr lang="en-US" altLang="ko-KR" dirty="0" err="1" smtClean="0"/>
+              <a:t>weak_ptr</a:t>
+            </a:r>
+            <a:r>
+              <a:rPr lang="ko-KR" altLang="en-US" dirty="0" smtClean="0"/>
+              <a:t>도 같이 </a:t>
+            </a:r>
+            <a:r>
+              <a:rPr lang="en-US" altLang="ko-KR" dirty="0" smtClean="0"/>
+              <a:t>lock-free</a:t>
+            </a:r>
+            <a:r>
+              <a:rPr lang="ko-KR" altLang="en-US" dirty="0" smtClean="0"/>
+              <a:t>로 구현해 주어야 한다</a:t>
+            </a:r>
+            <a:r>
+              <a:rPr lang="en-US" altLang="ko-KR" dirty="0" smtClean="0"/>
+              <a:t>.</a:t>
             </a:r>
           </a:p>
         </p:txBody>
@@ -5073,7 +5057,7 @@
     </p:spTree>
     <p:extLst>
       <p:ext uri="{BB962C8B-B14F-4D97-AF65-F5344CB8AC3E}">
-        <p14:creationId xmlns:p14="http://schemas.microsoft.com/office/powerpoint/2010/main" val="2119295689"/>
+        <p14:creationId xmlns:p14="http://schemas.microsoft.com/office/powerpoint/2010/main" val="2232103423"/>
       </p:ext>
     </p:extLst>
   </p:cSld>
@@ -5122,9 +5106,10 @@
           <a:lstStyle/>
           <a:p>
             <a:r>
-              <a:rPr lang="ko-KR" altLang="en-US" dirty="0"/>
+              <a:rPr lang="ko-KR" altLang="en-US" smtClean="0"/>
               <a:t>배경</a:t>
             </a:r>
+            <a:endParaRPr lang="ko-KR" altLang="en-US" dirty="0"/>
           </a:p>
         </p:txBody>
       </p:sp>
@@ -5146,183 +5131,38 @@
         </p:nvSpPr>
         <p:spPr/>
         <p:txBody>
-          <a:bodyPr anchor="ctr" anchorCtr="0">
+          <a:bodyPr>
             <a:normAutofit/>
           </a:bodyPr>
           <a:lstStyle/>
           <a:p>
-            <a:pPr marL="0" indent="0">
-              <a:buNone/>
-            </a:pPr>
-            <a:r>
-              <a:rPr lang="en-US" altLang="ko-KR" dirty="0" err="1"/>
-              <a:t>atomic_shared_ptr</a:t>
-            </a:r>
-            <a:r>
-              <a:rPr lang="en-US" altLang="ko-KR" dirty="0"/>
-              <a:t> </a:t>
-            </a:r>
-            <a:r>
-              <a:rPr lang="ko-KR" altLang="en-US" dirty="0"/>
-              <a:t>구현</a:t>
-            </a:r>
-            <a:endParaRPr lang="en-US" altLang="ko-KR" dirty="0"/>
-          </a:p>
-          <a:p>
-            <a:pPr marL="0" indent="0">
-              <a:buNone/>
-            </a:pPr>
-            <a:r>
-              <a:rPr lang="en-US" altLang="ko-KR" dirty="0"/>
-              <a:t>  - std::</a:t>
-            </a:r>
-            <a:r>
-              <a:rPr lang="en-US" altLang="ko-KR" dirty="0" err="1"/>
+            <a:r>
+              <a:rPr lang="en-US" altLang="ko-KR" dirty="0" err="1" smtClean="0"/>
               <a:t>shared_ptr</a:t>
             </a:r>
-            <a:endParaRPr lang="en-US" altLang="ko-KR" dirty="0"/>
-          </a:p>
-          <a:p>
-            <a:pPr marL="0" indent="0">
-              <a:buNone/>
-            </a:pPr>
-            <a:r>
-              <a:rPr lang="en-US" altLang="ko-KR" dirty="0"/>
-              <a:t>    : reference</a:t>
-            </a:r>
-            <a:r>
-              <a:rPr lang="ko-KR" altLang="en-US" dirty="0"/>
-              <a:t> </a:t>
-            </a:r>
-            <a:r>
-              <a:rPr lang="en-US" altLang="ko-KR" dirty="0"/>
-              <a:t>counter</a:t>
-            </a:r>
-            <a:r>
-              <a:rPr lang="ko-KR" altLang="en-US" dirty="0"/>
-              <a:t>가 </a:t>
-            </a:r>
-            <a:r>
-              <a:rPr lang="en-US" altLang="ko-KR" dirty="0"/>
-              <a:t>0</a:t>
-            </a:r>
-            <a:r>
-              <a:rPr lang="ko-KR" altLang="en-US" dirty="0"/>
-              <a:t>일 경우에만</a:t>
-            </a:r>
-            <a:r>
-              <a:rPr lang="en-US" altLang="ko-KR" dirty="0"/>
-              <a:t>,</a:t>
-            </a:r>
-            <a:r>
-              <a:rPr lang="ko-KR" altLang="en-US" dirty="0"/>
-              <a:t> 메모리 해제</a:t>
-            </a:r>
-            <a:endParaRPr lang="en-US" altLang="ko-KR" dirty="0"/>
-          </a:p>
-          <a:p>
-            <a:pPr marL="0" indent="0">
-              <a:buNone/>
-            </a:pPr>
-            <a:r>
-              <a:rPr lang="en-US" altLang="ko-KR" dirty="0"/>
-              <a:t>  - std::</a:t>
-            </a:r>
-            <a:r>
-              <a:rPr lang="en-US" altLang="ko-KR" dirty="0" err="1"/>
-              <a:t>weak_ptr</a:t>
-            </a:r>
-            <a:endParaRPr lang="en-US" altLang="ko-KR" dirty="0"/>
-          </a:p>
-          <a:p>
-            <a:pPr marL="0" indent="0">
-              <a:buNone/>
-            </a:pPr>
-            <a:r>
-              <a:rPr lang="en-US" altLang="ko-KR" dirty="0"/>
-              <a:t>    : std::</a:t>
-            </a:r>
-            <a:r>
-              <a:rPr lang="en-US" altLang="ko-KR" dirty="0" err="1"/>
-              <a:t>shared_ptr</a:t>
-            </a:r>
-            <a:r>
-              <a:rPr lang="ko-KR" altLang="en-US" dirty="0"/>
-              <a:t>과 순환 참조 문제 해결</a:t>
-            </a:r>
-            <a:endParaRPr lang="en-US" altLang="ko-KR" dirty="0"/>
-          </a:p>
-          <a:p>
-            <a:pPr marL="0" indent="0">
-              <a:buNone/>
-            </a:pPr>
-            <a:r>
-              <a:rPr lang="en-US" altLang="ko-KR" dirty="0"/>
-              <a:t>  -</a:t>
-            </a:r>
-            <a:r>
-              <a:rPr lang="ko-KR" altLang="en-US" dirty="0"/>
-              <a:t> </a:t>
-            </a:r>
-            <a:r>
-              <a:rPr lang="en-US" altLang="ko-KR" dirty="0"/>
-              <a:t>compare-and-swap(CAS)</a:t>
-            </a:r>
-          </a:p>
-          <a:p>
-            <a:pPr marL="0" indent="0">
-              <a:buNone/>
-            </a:pPr>
-            <a:r>
-              <a:rPr lang="en-US" altLang="ko-KR" dirty="0"/>
-              <a:t>    : non-blocking</a:t>
-            </a:r>
-            <a:r>
-              <a:rPr lang="ko-KR" altLang="en-US" dirty="0"/>
-              <a:t>을 유지하며</a:t>
-            </a:r>
-            <a:r>
-              <a:rPr lang="en-US" altLang="ko-KR" dirty="0"/>
-              <a:t>, </a:t>
-            </a:r>
-            <a:r>
-              <a:rPr lang="ko-KR" altLang="en-US" dirty="0"/>
-              <a:t>공유 변수의 원자적 접근</a:t>
-            </a:r>
-            <a:endParaRPr lang="en-US" altLang="ko-KR" dirty="0"/>
-          </a:p>
-          <a:p>
-            <a:pPr marL="0" indent="0">
-              <a:buNone/>
-            </a:pPr>
-            <a:r>
-              <a:rPr lang="en-US" altLang="ko-KR" dirty="0"/>
-              <a:t>      &gt;&gt; </a:t>
-            </a:r>
-            <a:r>
-              <a:rPr lang="ko-KR" altLang="en-US" dirty="0" err="1"/>
-              <a:t>싱글쓰레드</a:t>
-            </a:r>
-            <a:r>
-              <a:rPr lang="ko-KR" altLang="en-US" dirty="0"/>
-              <a:t> 자료구조를 </a:t>
-            </a:r>
-            <a:r>
-              <a:rPr lang="ko-KR" altLang="en-US" dirty="0" err="1"/>
-              <a:t>멀티쓰레드</a:t>
-            </a:r>
-            <a:r>
-              <a:rPr lang="ko-KR" altLang="en-US" dirty="0"/>
-              <a:t> 자료구조로 변경</a:t>
-            </a:r>
-            <a:endParaRPr lang="en-US" altLang="ko-KR" dirty="0"/>
+            <a:r>
+              <a:rPr lang="ko-KR" altLang="en-US" dirty="0" smtClean="0"/>
+              <a:t>의 구조 </a:t>
+            </a:r>
+            <a:r>
+              <a:rPr lang="en-US" altLang="ko-KR" dirty="0" smtClean="0"/>
+              <a:t>: &lt;&lt;&lt; </a:t>
+            </a:r>
+            <a:r>
+              <a:rPr lang="ko-KR" altLang="en-US" dirty="0" smtClean="0"/>
+              <a:t>그림을 찾아서 첨부할 것 </a:t>
+            </a:r>
+            <a:r>
+              <a:rPr lang="en-US" altLang="ko-KR" dirty="0" smtClean="0"/>
+              <a:t>&gt;&gt;&gt;</a:t>
+            </a:r>
           </a:p>
         </p:txBody>
       </p:sp>
     </p:spTree>
     <p:extLst>
       <p:ext uri="{BB962C8B-B14F-4D97-AF65-F5344CB8AC3E}">
-        <p14:creationId xmlns:p14="http://schemas.microsoft.com/office/powerpoint/2010/main" val="2232103423"/>
+        <p14:creationId xmlns:p14="http://schemas.microsoft.com/office/powerpoint/2010/main" val="2839317630"/>
       </p:ext>
     </p:extLst>
   </p:cSld>
